--- a/BookMyShow_Design.pptx
+++ b/BookMyShow_Design.pptx
@@ -12,6 +12,11 @@
     <p:sldId id="261" r:id="rId6"/>
     <p:sldId id="259" r:id="rId7"/>
     <p:sldId id="260" r:id="rId8"/>
+    <p:sldId id="263" r:id="rId9"/>
+    <p:sldId id="264" r:id="rId10"/>
+    <p:sldId id="265" r:id="rId11"/>
+    <p:sldId id="266" r:id="rId12"/>
+    <p:sldId id="267" r:id="rId13"/>
   </p:sldIdLst>
   <p:sldSz cx="12192000" cy="6858000"/>
   <p:notesSz cx="6858000" cy="9144000"/>
@@ -267,7 +272,7 @@
           <a:p>
             <a:fld id="{B5907C38-14D4-4C2C-8A20-234F79DC1A8C}" type="datetimeFigureOut">
               <a:rPr lang="en-IN" smtClean="0"/>
-              <a:t>10-07-2025</a:t>
+              <a:t>25-07-2025</a:t>
             </a:fld>
             <a:endParaRPr lang="en-IN"/>
           </a:p>
@@ -467,7 +472,7 @@
           <a:p>
             <a:fld id="{B5907C38-14D4-4C2C-8A20-234F79DC1A8C}" type="datetimeFigureOut">
               <a:rPr lang="en-IN" smtClean="0"/>
-              <a:t>10-07-2025</a:t>
+              <a:t>25-07-2025</a:t>
             </a:fld>
             <a:endParaRPr lang="en-IN"/>
           </a:p>
@@ -677,7 +682,7 @@
           <a:p>
             <a:fld id="{B5907C38-14D4-4C2C-8A20-234F79DC1A8C}" type="datetimeFigureOut">
               <a:rPr lang="en-IN" smtClean="0"/>
-              <a:t>10-07-2025</a:t>
+              <a:t>25-07-2025</a:t>
             </a:fld>
             <a:endParaRPr lang="en-IN"/>
           </a:p>
@@ -877,7 +882,7 @@
           <a:p>
             <a:fld id="{B5907C38-14D4-4C2C-8A20-234F79DC1A8C}" type="datetimeFigureOut">
               <a:rPr lang="en-IN" smtClean="0"/>
-              <a:t>10-07-2025</a:t>
+              <a:t>25-07-2025</a:t>
             </a:fld>
             <a:endParaRPr lang="en-IN"/>
           </a:p>
@@ -1153,7 +1158,7 @@
           <a:p>
             <a:fld id="{B5907C38-14D4-4C2C-8A20-234F79DC1A8C}" type="datetimeFigureOut">
               <a:rPr lang="en-IN" smtClean="0"/>
-              <a:t>10-07-2025</a:t>
+              <a:t>25-07-2025</a:t>
             </a:fld>
             <a:endParaRPr lang="en-IN"/>
           </a:p>
@@ -1421,7 +1426,7 @@
           <a:p>
             <a:fld id="{B5907C38-14D4-4C2C-8A20-234F79DC1A8C}" type="datetimeFigureOut">
               <a:rPr lang="en-IN" smtClean="0"/>
-              <a:t>10-07-2025</a:t>
+              <a:t>25-07-2025</a:t>
             </a:fld>
             <a:endParaRPr lang="en-IN"/>
           </a:p>
@@ -1836,7 +1841,7 @@
           <a:p>
             <a:fld id="{B5907C38-14D4-4C2C-8A20-234F79DC1A8C}" type="datetimeFigureOut">
               <a:rPr lang="en-IN" smtClean="0"/>
-              <a:t>10-07-2025</a:t>
+              <a:t>25-07-2025</a:t>
             </a:fld>
             <a:endParaRPr lang="en-IN"/>
           </a:p>
@@ -1978,7 +1983,7 @@
           <a:p>
             <a:fld id="{B5907C38-14D4-4C2C-8A20-234F79DC1A8C}" type="datetimeFigureOut">
               <a:rPr lang="en-IN" smtClean="0"/>
-              <a:t>10-07-2025</a:t>
+              <a:t>25-07-2025</a:t>
             </a:fld>
             <a:endParaRPr lang="en-IN"/>
           </a:p>
@@ -2091,7 +2096,7 @@
           <a:p>
             <a:fld id="{B5907C38-14D4-4C2C-8A20-234F79DC1A8C}" type="datetimeFigureOut">
               <a:rPr lang="en-IN" smtClean="0"/>
-              <a:t>10-07-2025</a:t>
+              <a:t>25-07-2025</a:t>
             </a:fld>
             <a:endParaRPr lang="en-IN"/>
           </a:p>
@@ -2404,7 +2409,7 @@
           <a:p>
             <a:fld id="{B5907C38-14D4-4C2C-8A20-234F79DC1A8C}" type="datetimeFigureOut">
               <a:rPr lang="en-IN" smtClean="0"/>
-              <a:t>10-07-2025</a:t>
+              <a:t>25-07-2025</a:t>
             </a:fld>
             <a:endParaRPr lang="en-IN"/>
           </a:p>
@@ -2693,7 +2698,7 @@
           <a:p>
             <a:fld id="{B5907C38-14D4-4C2C-8A20-234F79DC1A8C}" type="datetimeFigureOut">
               <a:rPr lang="en-IN" smtClean="0"/>
-              <a:t>10-07-2025</a:t>
+              <a:t>25-07-2025</a:t>
             </a:fld>
             <a:endParaRPr lang="en-IN"/>
           </a:p>
@@ -2936,7 +2941,7 @@
           <a:p>
             <a:fld id="{B5907C38-14D4-4C2C-8A20-234F79DC1A8C}" type="datetimeFigureOut">
               <a:rPr lang="en-IN" smtClean="0"/>
-              <a:t>10-07-2025</a:t>
+              <a:t>25-07-2025</a:t>
             </a:fld>
             <a:endParaRPr lang="en-IN"/>
           </a:p>
@@ -3430,6 +3435,186 @@
 </p:sld>
 </file>
 
+<file path=ppt/slides/slide10.xml><?xml version="1.0" encoding="utf-8"?>
+<p:sld xmlns:a="http://schemas.openxmlformats.org/drawingml/2006/main" xmlns:r="http://schemas.openxmlformats.org/officeDocument/2006/relationships" xmlns:p="http://schemas.openxmlformats.org/presentationml/2006/main">
+  <p:cSld>
+    <p:spTree>
+      <p:nvGrpSpPr>
+        <p:cNvPr id="1" name=""/>
+        <p:cNvGrpSpPr/>
+        <p:nvPr/>
+      </p:nvGrpSpPr>
+      <p:grpSpPr>
+        <a:xfrm>
+          <a:off x="0" y="0"/>
+          <a:ext cx="0" cy="0"/>
+          <a:chOff x="0" y="0"/>
+          <a:chExt cx="0" cy="0"/>
+        </a:xfrm>
+      </p:grpSpPr>
+      <p:pic>
+        <p:nvPicPr>
+          <p:cNvPr id="3" name="Picture 2">
+            <a:extLst>
+              <a:ext uri="{FF2B5EF4-FFF2-40B4-BE49-F238E27FC236}">
+                <a16:creationId xmlns:a16="http://schemas.microsoft.com/office/drawing/2014/main" id="{F2E83E72-06AF-8DF8-7F62-BDC0175C357E}"/>
+              </a:ext>
+            </a:extLst>
+          </p:cNvPr>
+          <p:cNvPicPr>
+            <a:picLocks noChangeAspect="1"/>
+          </p:cNvPicPr>
+          <p:nvPr/>
+        </p:nvPicPr>
+        <p:blipFill>
+          <a:blip r:embed="rId2"/>
+          <a:stretch>
+            <a:fillRect/>
+          </a:stretch>
+        </p:blipFill>
+        <p:spPr>
+          <a:xfrm>
+            <a:off x="0" y="959563"/>
+            <a:ext cx="12192000" cy="4938873"/>
+          </a:xfrm>
+          <a:prstGeom prst="rect">
+            <a:avLst/>
+          </a:prstGeom>
+        </p:spPr>
+      </p:pic>
+    </p:spTree>
+    <p:extLst>
+      <p:ext uri="{BB962C8B-B14F-4D97-AF65-F5344CB8AC3E}">
+        <p14:creationId xmlns:p14="http://schemas.microsoft.com/office/powerpoint/2010/main" val="3357590707"/>
+      </p:ext>
+    </p:extLst>
+  </p:cSld>
+  <p:clrMapOvr>
+    <a:masterClrMapping/>
+  </p:clrMapOvr>
+</p:sld>
+</file>
+
+<file path=ppt/slides/slide11.xml><?xml version="1.0" encoding="utf-8"?>
+<p:sld xmlns:a="http://schemas.openxmlformats.org/drawingml/2006/main" xmlns:r="http://schemas.openxmlformats.org/officeDocument/2006/relationships" xmlns:p="http://schemas.openxmlformats.org/presentationml/2006/main">
+  <p:cSld>
+    <p:spTree>
+      <p:nvGrpSpPr>
+        <p:cNvPr id="1" name=""/>
+        <p:cNvGrpSpPr/>
+        <p:nvPr/>
+      </p:nvGrpSpPr>
+      <p:grpSpPr>
+        <a:xfrm>
+          <a:off x="0" y="0"/>
+          <a:ext cx="0" cy="0"/>
+          <a:chOff x="0" y="0"/>
+          <a:chExt cx="0" cy="0"/>
+        </a:xfrm>
+      </p:grpSpPr>
+      <p:pic>
+        <p:nvPicPr>
+          <p:cNvPr id="3" name="Picture 2">
+            <a:extLst>
+              <a:ext uri="{FF2B5EF4-FFF2-40B4-BE49-F238E27FC236}">
+                <a16:creationId xmlns:a16="http://schemas.microsoft.com/office/drawing/2014/main" id="{10614097-AA1D-F974-A4ED-7B1E469B9F8B}"/>
+              </a:ext>
+            </a:extLst>
+          </p:cNvPr>
+          <p:cNvPicPr>
+            <a:picLocks noChangeAspect="1"/>
+          </p:cNvPicPr>
+          <p:nvPr/>
+        </p:nvPicPr>
+        <p:blipFill>
+          <a:blip r:embed="rId2"/>
+          <a:stretch>
+            <a:fillRect/>
+          </a:stretch>
+        </p:blipFill>
+        <p:spPr>
+          <a:xfrm>
+            <a:off x="0" y="1027847"/>
+            <a:ext cx="12192000" cy="4802305"/>
+          </a:xfrm>
+          <a:prstGeom prst="rect">
+            <a:avLst/>
+          </a:prstGeom>
+        </p:spPr>
+      </p:pic>
+    </p:spTree>
+    <p:extLst>
+      <p:ext uri="{BB962C8B-B14F-4D97-AF65-F5344CB8AC3E}">
+        <p14:creationId xmlns:p14="http://schemas.microsoft.com/office/powerpoint/2010/main" val="2959913457"/>
+      </p:ext>
+    </p:extLst>
+  </p:cSld>
+  <p:clrMapOvr>
+    <a:masterClrMapping/>
+  </p:clrMapOvr>
+</p:sld>
+</file>
+
+<file path=ppt/slides/slide12.xml><?xml version="1.0" encoding="utf-8"?>
+<p:sld xmlns:a="http://schemas.openxmlformats.org/drawingml/2006/main" xmlns:r="http://schemas.openxmlformats.org/officeDocument/2006/relationships" xmlns:p="http://schemas.openxmlformats.org/presentationml/2006/main">
+  <p:cSld>
+    <p:spTree>
+      <p:nvGrpSpPr>
+        <p:cNvPr id="1" name=""/>
+        <p:cNvGrpSpPr/>
+        <p:nvPr/>
+      </p:nvGrpSpPr>
+      <p:grpSpPr>
+        <a:xfrm>
+          <a:off x="0" y="0"/>
+          <a:ext cx="0" cy="0"/>
+          <a:chOff x="0" y="0"/>
+          <a:chExt cx="0" cy="0"/>
+        </a:xfrm>
+      </p:grpSpPr>
+      <p:pic>
+        <p:nvPicPr>
+          <p:cNvPr id="3" name="Picture 2">
+            <a:extLst>
+              <a:ext uri="{FF2B5EF4-FFF2-40B4-BE49-F238E27FC236}">
+                <a16:creationId xmlns:a16="http://schemas.microsoft.com/office/drawing/2014/main" id="{32EA6094-657D-C582-3B28-A12BA162D24E}"/>
+              </a:ext>
+            </a:extLst>
+          </p:cNvPr>
+          <p:cNvPicPr>
+            <a:picLocks noChangeAspect="1"/>
+          </p:cNvPicPr>
+          <p:nvPr/>
+        </p:nvPicPr>
+        <p:blipFill>
+          <a:blip r:embed="rId2"/>
+          <a:stretch>
+            <a:fillRect/>
+          </a:stretch>
+        </p:blipFill>
+        <p:spPr>
+          <a:xfrm>
+            <a:off x="2468565" y="2434504"/>
+            <a:ext cx="7254869" cy="1988992"/>
+          </a:xfrm>
+          <a:prstGeom prst="rect">
+            <a:avLst/>
+          </a:prstGeom>
+        </p:spPr>
+      </p:pic>
+    </p:spTree>
+    <p:extLst>
+      <p:ext uri="{BB962C8B-B14F-4D97-AF65-F5344CB8AC3E}">
+        <p14:creationId xmlns:p14="http://schemas.microsoft.com/office/powerpoint/2010/main" val="2439465677"/>
+      </p:ext>
+    </p:extLst>
+  </p:cSld>
+  <p:clrMapOvr>
+    <a:masterClrMapping/>
+  </p:clrMapOvr>
+</p:sld>
+</file>
+
 <file path=ppt/slides/slide2.xml><?xml version="1.0" encoding="utf-8"?>
 <p:sld xmlns:a="http://schemas.openxmlformats.org/drawingml/2006/main" xmlns:r="http://schemas.openxmlformats.org/officeDocument/2006/relationships" xmlns:p="http://schemas.openxmlformats.org/presentationml/2006/main">
   <p:cSld>
@@ -7403,6 +7588,155 @@
     <p:extLst>
       <p:ext uri="{BB962C8B-B14F-4D97-AF65-F5344CB8AC3E}">
         <p14:creationId xmlns:p14="http://schemas.microsoft.com/office/powerpoint/2010/main" val="2230876567"/>
+      </p:ext>
+    </p:extLst>
+  </p:cSld>
+  <p:clrMapOvr>
+    <a:masterClrMapping/>
+  </p:clrMapOvr>
+</p:sld>
+</file>
+
+<file path=ppt/slides/slide8.xml><?xml version="1.0" encoding="utf-8"?>
+<p:sld xmlns:a="http://schemas.openxmlformats.org/drawingml/2006/main" xmlns:r="http://schemas.openxmlformats.org/officeDocument/2006/relationships" xmlns:p="http://schemas.openxmlformats.org/presentationml/2006/main">
+  <p:cSld>
+    <p:spTree>
+      <p:nvGrpSpPr>
+        <p:cNvPr id="1" name=""/>
+        <p:cNvGrpSpPr/>
+        <p:nvPr/>
+      </p:nvGrpSpPr>
+      <p:grpSpPr>
+        <a:xfrm>
+          <a:off x="0" y="0"/>
+          <a:ext cx="0" cy="0"/>
+          <a:chOff x="0" y="0"/>
+          <a:chExt cx="0" cy="0"/>
+        </a:xfrm>
+      </p:grpSpPr>
+      <p:sp>
+        <p:nvSpPr>
+          <p:cNvPr id="2" name="Title 1">
+            <a:extLst>
+              <a:ext uri="{FF2B5EF4-FFF2-40B4-BE49-F238E27FC236}">
+                <a16:creationId xmlns:a16="http://schemas.microsoft.com/office/drawing/2014/main" id="{6D2B06EC-C027-F12C-83EC-F69DB2C48C5A}"/>
+              </a:ext>
+            </a:extLst>
+          </p:cNvPr>
+          <p:cNvSpPr>
+            <a:spLocks noGrp="1"/>
+          </p:cNvSpPr>
+          <p:nvPr>
+            <p:ph type="title"/>
+          </p:nvPr>
+        </p:nvSpPr>
+        <p:spPr/>
+        <p:txBody>
+          <a:bodyPr/>
+          <a:lstStyle/>
+          <a:p>
+            <a:r>
+              <a:rPr lang="en-US" dirty="0"/>
+              <a:t>Book my show app - output</a:t>
+            </a:r>
+            <a:endParaRPr lang="en-IN" dirty="0"/>
+          </a:p>
+        </p:txBody>
+      </p:sp>
+      <p:pic>
+        <p:nvPicPr>
+          <p:cNvPr id="4" name="Picture 3">
+            <a:extLst>
+              <a:ext uri="{FF2B5EF4-FFF2-40B4-BE49-F238E27FC236}">
+                <a16:creationId xmlns:a16="http://schemas.microsoft.com/office/drawing/2014/main" id="{41B7D1E6-2B8F-4C84-884D-61936D163B67}"/>
+              </a:ext>
+            </a:extLst>
+          </p:cNvPr>
+          <p:cNvPicPr>
+            <a:picLocks noChangeAspect="1"/>
+          </p:cNvPicPr>
+          <p:nvPr/>
+        </p:nvPicPr>
+        <p:blipFill>
+          <a:blip r:embed="rId2"/>
+          <a:stretch>
+            <a:fillRect/>
+          </a:stretch>
+        </p:blipFill>
+        <p:spPr>
+          <a:xfrm>
+            <a:off x="226624" y="1690688"/>
+            <a:ext cx="11514818" cy="4320914"/>
+          </a:xfrm>
+          <a:prstGeom prst="rect">
+            <a:avLst/>
+          </a:prstGeom>
+        </p:spPr>
+      </p:pic>
+    </p:spTree>
+    <p:extLst>
+      <p:ext uri="{BB962C8B-B14F-4D97-AF65-F5344CB8AC3E}">
+        <p14:creationId xmlns:p14="http://schemas.microsoft.com/office/powerpoint/2010/main" val="3253766253"/>
+      </p:ext>
+    </p:extLst>
+  </p:cSld>
+  <p:clrMapOvr>
+    <a:masterClrMapping/>
+  </p:clrMapOvr>
+</p:sld>
+</file>
+
+<file path=ppt/slides/slide9.xml><?xml version="1.0" encoding="utf-8"?>
+<p:sld xmlns:a="http://schemas.openxmlformats.org/drawingml/2006/main" xmlns:r="http://schemas.openxmlformats.org/officeDocument/2006/relationships" xmlns:p="http://schemas.openxmlformats.org/presentationml/2006/main">
+  <p:cSld>
+    <p:spTree>
+      <p:nvGrpSpPr>
+        <p:cNvPr id="1" name=""/>
+        <p:cNvGrpSpPr/>
+        <p:nvPr/>
+      </p:nvGrpSpPr>
+      <p:grpSpPr>
+        <a:xfrm>
+          <a:off x="0" y="0"/>
+          <a:ext cx="0" cy="0"/>
+          <a:chOff x="0" y="0"/>
+          <a:chExt cx="0" cy="0"/>
+        </a:xfrm>
+      </p:grpSpPr>
+      <p:pic>
+        <p:nvPicPr>
+          <p:cNvPr id="3" name="Picture 2">
+            <a:extLst>
+              <a:ext uri="{FF2B5EF4-FFF2-40B4-BE49-F238E27FC236}">
+                <a16:creationId xmlns:a16="http://schemas.microsoft.com/office/drawing/2014/main" id="{2F6EA226-CAE8-1218-9E4D-E031EA27B4D7}"/>
+              </a:ext>
+            </a:extLst>
+          </p:cNvPr>
+          <p:cNvPicPr>
+            <a:picLocks noChangeAspect="1"/>
+          </p:cNvPicPr>
+          <p:nvPr/>
+        </p:nvPicPr>
+        <p:blipFill>
+          <a:blip r:embed="rId2"/>
+          <a:stretch>
+            <a:fillRect/>
+          </a:stretch>
+        </p:blipFill>
+        <p:spPr>
+          <a:xfrm>
+            <a:off x="1268311" y="338822"/>
+            <a:ext cx="9655377" cy="6180356"/>
+          </a:xfrm>
+          <a:prstGeom prst="rect">
+            <a:avLst/>
+          </a:prstGeom>
+        </p:spPr>
+      </p:pic>
+    </p:spTree>
+    <p:extLst>
+      <p:ext uri="{BB962C8B-B14F-4D97-AF65-F5344CB8AC3E}">
+        <p14:creationId xmlns:p14="http://schemas.microsoft.com/office/powerpoint/2010/main" val="1652792297"/>
       </p:ext>
     </p:extLst>
   </p:cSld>

--- a/BookMyShow_Design.pptx
+++ b/BookMyShow_Design.pptx
@@ -16,7 +16,13 @@
     <p:sldId id="264" r:id="rId10"/>
     <p:sldId id="265" r:id="rId11"/>
     <p:sldId id="266" r:id="rId12"/>
-    <p:sldId id="267" r:id="rId13"/>
+    <p:sldId id="279" r:id="rId13"/>
+    <p:sldId id="280" r:id="rId14"/>
+    <p:sldId id="267" r:id="rId15"/>
+    <p:sldId id="268" r:id="rId16"/>
+    <p:sldId id="269" r:id="rId17"/>
+    <p:sldId id="270" r:id="rId18"/>
+    <p:sldId id="271" r:id="rId19"/>
   </p:sldIdLst>
   <p:sldSz cx="12192000" cy="6858000"/>
   <p:notesSz cx="6858000" cy="9144000"/>
@@ -272,7 +278,7 @@
           <a:p>
             <a:fld id="{B5907C38-14D4-4C2C-8A20-234F79DC1A8C}" type="datetimeFigureOut">
               <a:rPr lang="en-IN" smtClean="0"/>
-              <a:t>25-07-2025</a:t>
+              <a:t>01-08-2025</a:t>
             </a:fld>
             <a:endParaRPr lang="en-IN"/>
           </a:p>
@@ -472,7 +478,7 @@
           <a:p>
             <a:fld id="{B5907C38-14D4-4C2C-8A20-234F79DC1A8C}" type="datetimeFigureOut">
               <a:rPr lang="en-IN" smtClean="0"/>
-              <a:t>25-07-2025</a:t>
+              <a:t>01-08-2025</a:t>
             </a:fld>
             <a:endParaRPr lang="en-IN"/>
           </a:p>
@@ -682,7 +688,7 @@
           <a:p>
             <a:fld id="{B5907C38-14D4-4C2C-8A20-234F79DC1A8C}" type="datetimeFigureOut">
               <a:rPr lang="en-IN" smtClean="0"/>
-              <a:t>25-07-2025</a:t>
+              <a:t>01-08-2025</a:t>
             </a:fld>
             <a:endParaRPr lang="en-IN"/>
           </a:p>
@@ -882,7 +888,7 @@
           <a:p>
             <a:fld id="{B5907C38-14D4-4C2C-8A20-234F79DC1A8C}" type="datetimeFigureOut">
               <a:rPr lang="en-IN" smtClean="0"/>
-              <a:t>25-07-2025</a:t>
+              <a:t>01-08-2025</a:t>
             </a:fld>
             <a:endParaRPr lang="en-IN"/>
           </a:p>
@@ -1158,7 +1164,7 @@
           <a:p>
             <a:fld id="{B5907C38-14D4-4C2C-8A20-234F79DC1A8C}" type="datetimeFigureOut">
               <a:rPr lang="en-IN" smtClean="0"/>
-              <a:t>25-07-2025</a:t>
+              <a:t>01-08-2025</a:t>
             </a:fld>
             <a:endParaRPr lang="en-IN"/>
           </a:p>
@@ -1426,7 +1432,7 @@
           <a:p>
             <a:fld id="{B5907C38-14D4-4C2C-8A20-234F79DC1A8C}" type="datetimeFigureOut">
               <a:rPr lang="en-IN" smtClean="0"/>
-              <a:t>25-07-2025</a:t>
+              <a:t>01-08-2025</a:t>
             </a:fld>
             <a:endParaRPr lang="en-IN"/>
           </a:p>
@@ -1841,7 +1847,7 @@
           <a:p>
             <a:fld id="{B5907C38-14D4-4C2C-8A20-234F79DC1A8C}" type="datetimeFigureOut">
               <a:rPr lang="en-IN" smtClean="0"/>
-              <a:t>25-07-2025</a:t>
+              <a:t>01-08-2025</a:t>
             </a:fld>
             <a:endParaRPr lang="en-IN"/>
           </a:p>
@@ -1983,7 +1989,7 @@
           <a:p>
             <a:fld id="{B5907C38-14D4-4C2C-8A20-234F79DC1A8C}" type="datetimeFigureOut">
               <a:rPr lang="en-IN" smtClean="0"/>
-              <a:t>25-07-2025</a:t>
+              <a:t>01-08-2025</a:t>
             </a:fld>
             <a:endParaRPr lang="en-IN"/>
           </a:p>
@@ -2096,7 +2102,7 @@
           <a:p>
             <a:fld id="{B5907C38-14D4-4C2C-8A20-234F79DC1A8C}" type="datetimeFigureOut">
               <a:rPr lang="en-IN" smtClean="0"/>
-              <a:t>25-07-2025</a:t>
+              <a:t>01-08-2025</a:t>
             </a:fld>
             <a:endParaRPr lang="en-IN"/>
           </a:p>
@@ -2409,7 +2415,7 @@
           <a:p>
             <a:fld id="{B5907C38-14D4-4C2C-8A20-234F79DC1A8C}" type="datetimeFigureOut">
               <a:rPr lang="en-IN" smtClean="0"/>
-              <a:t>25-07-2025</a:t>
+              <a:t>01-08-2025</a:t>
             </a:fld>
             <a:endParaRPr lang="en-IN"/>
           </a:p>
@@ -2698,7 +2704,7 @@
           <a:p>
             <a:fld id="{B5907C38-14D4-4C2C-8A20-234F79DC1A8C}" type="datetimeFigureOut">
               <a:rPr lang="en-IN" smtClean="0"/>
-              <a:t>25-07-2025</a:t>
+              <a:t>01-08-2025</a:t>
             </a:fld>
             <a:endParaRPr lang="en-IN"/>
           </a:p>
@@ -2941,7 +2947,7 @@
           <a:p>
             <a:fld id="{B5907C38-14D4-4C2C-8A20-234F79DC1A8C}" type="datetimeFigureOut">
               <a:rPr lang="en-IN" smtClean="0"/>
-              <a:t>25-07-2025</a:t>
+              <a:t>01-08-2025</a:t>
             </a:fld>
             <a:endParaRPr lang="en-IN"/>
           </a:p>
@@ -3577,7 +3583,7 @@
           <p:cNvPr id="3" name="Picture 2">
             <a:extLst>
               <a:ext uri="{FF2B5EF4-FFF2-40B4-BE49-F238E27FC236}">
-                <a16:creationId xmlns:a16="http://schemas.microsoft.com/office/drawing/2014/main" id="{32EA6094-657D-C582-3B28-A12BA162D24E}"/>
+                <a16:creationId xmlns:a16="http://schemas.microsoft.com/office/drawing/2014/main" id="{D7C3CEF7-DE7F-6DBC-D219-42EE3B52BE4F}"/>
               </a:ext>
             </a:extLst>
           </p:cNvPr>
@@ -3594,8 +3600,128 @@
         </p:blipFill>
         <p:spPr>
           <a:xfrm>
-            <a:off x="2468565" y="2434504"/>
-            <a:ext cx="7254869" cy="1988992"/>
+            <a:off x="884902" y="567596"/>
+            <a:ext cx="10717161" cy="4926818"/>
+          </a:xfrm>
+          <a:prstGeom prst="rect">
+            <a:avLst/>
+          </a:prstGeom>
+        </p:spPr>
+      </p:pic>
+    </p:spTree>
+    <p:extLst>
+      <p:ext uri="{BB962C8B-B14F-4D97-AF65-F5344CB8AC3E}">
+        <p14:creationId xmlns:p14="http://schemas.microsoft.com/office/powerpoint/2010/main" val="3188673341"/>
+      </p:ext>
+    </p:extLst>
+  </p:cSld>
+  <p:clrMapOvr>
+    <a:masterClrMapping/>
+  </p:clrMapOvr>
+</p:sld>
+</file>
+
+<file path=ppt/slides/slide13.xml><?xml version="1.0" encoding="utf-8"?>
+<p:sld xmlns:a="http://schemas.openxmlformats.org/drawingml/2006/main" xmlns:r="http://schemas.openxmlformats.org/officeDocument/2006/relationships" xmlns:p="http://schemas.openxmlformats.org/presentationml/2006/main">
+  <p:cSld>
+    <p:spTree>
+      <p:nvGrpSpPr>
+        <p:cNvPr id="1" name=""/>
+        <p:cNvGrpSpPr/>
+        <p:nvPr/>
+      </p:nvGrpSpPr>
+      <p:grpSpPr>
+        <a:xfrm>
+          <a:off x="0" y="0"/>
+          <a:ext cx="0" cy="0"/>
+          <a:chOff x="0" y="0"/>
+          <a:chExt cx="0" cy="0"/>
+        </a:xfrm>
+      </p:grpSpPr>
+      <p:pic>
+        <p:nvPicPr>
+          <p:cNvPr id="3" name="Picture 2">
+            <a:extLst>
+              <a:ext uri="{FF2B5EF4-FFF2-40B4-BE49-F238E27FC236}">
+                <a16:creationId xmlns:a16="http://schemas.microsoft.com/office/drawing/2014/main" id="{690127DA-BEDC-BF7B-0C5B-F7BEA93B44FD}"/>
+              </a:ext>
+            </a:extLst>
+          </p:cNvPr>
+          <p:cNvPicPr>
+            <a:picLocks noChangeAspect="1"/>
+          </p:cNvPicPr>
+          <p:nvPr/>
+        </p:nvPicPr>
+        <p:blipFill>
+          <a:blip r:embed="rId2"/>
+          <a:stretch>
+            <a:fillRect/>
+          </a:stretch>
+        </p:blipFill>
+        <p:spPr>
+          <a:xfrm>
+            <a:off x="956982" y="839706"/>
+            <a:ext cx="4359018" cy="2110923"/>
+          </a:xfrm>
+          <a:prstGeom prst="rect">
+            <a:avLst/>
+          </a:prstGeom>
+        </p:spPr>
+      </p:pic>
+    </p:spTree>
+    <p:extLst>
+      <p:ext uri="{BB962C8B-B14F-4D97-AF65-F5344CB8AC3E}">
+        <p14:creationId xmlns:p14="http://schemas.microsoft.com/office/powerpoint/2010/main" val="3225542966"/>
+      </p:ext>
+    </p:extLst>
+  </p:cSld>
+  <p:clrMapOvr>
+    <a:masterClrMapping/>
+  </p:clrMapOvr>
+</p:sld>
+</file>
+
+<file path=ppt/slides/slide14.xml><?xml version="1.0" encoding="utf-8"?>
+<p:sld xmlns:a="http://schemas.openxmlformats.org/drawingml/2006/main" xmlns:r="http://schemas.openxmlformats.org/officeDocument/2006/relationships" xmlns:p="http://schemas.openxmlformats.org/presentationml/2006/main">
+  <p:cSld>
+    <p:spTree>
+      <p:nvGrpSpPr>
+        <p:cNvPr id="1" name=""/>
+        <p:cNvGrpSpPr/>
+        <p:nvPr/>
+      </p:nvGrpSpPr>
+      <p:grpSpPr>
+        <a:xfrm>
+          <a:off x="0" y="0"/>
+          <a:ext cx="0" cy="0"/>
+          <a:chOff x="0" y="0"/>
+          <a:chExt cx="0" cy="0"/>
+        </a:xfrm>
+      </p:grpSpPr>
+      <p:pic>
+        <p:nvPicPr>
+          <p:cNvPr id="4" name="Picture 3">
+            <a:extLst>
+              <a:ext uri="{FF2B5EF4-FFF2-40B4-BE49-F238E27FC236}">
+                <a16:creationId xmlns:a16="http://schemas.microsoft.com/office/drawing/2014/main" id="{A0884C4F-AE84-CCD3-E844-0C55B53FB20A}"/>
+              </a:ext>
+            </a:extLst>
+          </p:cNvPr>
+          <p:cNvPicPr>
+            <a:picLocks noChangeAspect="1"/>
+          </p:cNvPicPr>
+          <p:nvPr/>
+        </p:nvPicPr>
+        <p:blipFill>
+          <a:blip r:embed="rId2"/>
+          <a:stretch>
+            <a:fillRect/>
+          </a:stretch>
+        </p:blipFill>
+        <p:spPr>
+          <a:xfrm>
+            <a:off x="1409294" y="1154233"/>
+            <a:ext cx="9373412" cy="4549534"/>
           </a:xfrm>
           <a:prstGeom prst="rect">
             <a:avLst/>
@@ -3606,6 +3732,288 @@
     <p:extLst>
       <p:ext uri="{BB962C8B-B14F-4D97-AF65-F5344CB8AC3E}">
         <p14:creationId xmlns:p14="http://schemas.microsoft.com/office/powerpoint/2010/main" val="2439465677"/>
+      </p:ext>
+    </p:extLst>
+  </p:cSld>
+  <p:clrMapOvr>
+    <a:masterClrMapping/>
+  </p:clrMapOvr>
+</p:sld>
+</file>
+
+<file path=ppt/slides/slide15.xml><?xml version="1.0" encoding="utf-8"?>
+<p:sld xmlns:a="http://schemas.openxmlformats.org/drawingml/2006/main" xmlns:r="http://schemas.openxmlformats.org/officeDocument/2006/relationships" xmlns:p="http://schemas.openxmlformats.org/presentationml/2006/main">
+  <p:cSld>
+    <p:spTree>
+      <p:nvGrpSpPr>
+        <p:cNvPr id="1" name=""/>
+        <p:cNvGrpSpPr/>
+        <p:nvPr/>
+      </p:nvGrpSpPr>
+      <p:grpSpPr>
+        <a:xfrm>
+          <a:off x="0" y="0"/>
+          <a:ext cx="0" cy="0"/>
+          <a:chOff x="0" y="0"/>
+          <a:chExt cx="0" cy="0"/>
+        </a:xfrm>
+      </p:grpSpPr>
+      <p:pic>
+        <p:nvPicPr>
+          <p:cNvPr id="3" name="Picture 2">
+            <a:extLst>
+              <a:ext uri="{FF2B5EF4-FFF2-40B4-BE49-F238E27FC236}">
+                <a16:creationId xmlns:a16="http://schemas.microsoft.com/office/drawing/2014/main" id="{6B14CD75-DBAA-6076-4BB3-9349B41F36FE}"/>
+              </a:ext>
+            </a:extLst>
+          </p:cNvPr>
+          <p:cNvPicPr>
+            <a:picLocks noChangeAspect="1"/>
+          </p:cNvPicPr>
+          <p:nvPr/>
+        </p:nvPicPr>
+        <p:blipFill>
+          <a:blip r:embed="rId2"/>
+          <a:stretch>
+            <a:fillRect/>
+          </a:stretch>
+        </p:blipFill>
+        <p:spPr>
+          <a:xfrm>
+            <a:off x="1447397" y="616976"/>
+            <a:ext cx="9297206" cy="5624047"/>
+          </a:xfrm>
+          <a:prstGeom prst="rect">
+            <a:avLst/>
+          </a:prstGeom>
+        </p:spPr>
+      </p:pic>
+    </p:spTree>
+    <p:extLst>
+      <p:ext uri="{BB962C8B-B14F-4D97-AF65-F5344CB8AC3E}">
+        <p14:creationId xmlns:p14="http://schemas.microsoft.com/office/powerpoint/2010/main" val="2057839493"/>
+      </p:ext>
+    </p:extLst>
+  </p:cSld>
+  <p:clrMapOvr>
+    <a:masterClrMapping/>
+  </p:clrMapOvr>
+</p:sld>
+</file>
+
+<file path=ppt/slides/slide16.xml><?xml version="1.0" encoding="utf-8"?>
+<p:sld xmlns:a="http://schemas.openxmlformats.org/drawingml/2006/main" xmlns:r="http://schemas.openxmlformats.org/officeDocument/2006/relationships" xmlns:p="http://schemas.openxmlformats.org/presentationml/2006/main">
+  <p:cSld>
+    <p:spTree>
+      <p:nvGrpSpPr>
+        <p:cNvPr id="1" name=""/>
+        <p:cNvGrpSpPr/>
+        <p:nvPr/>
+      </p:nvGrpSpPr>
+      <p:grpSpPr>
+        <a:xfrm>
+          <a:off x="0" y="0"/>
+          <a:ext cx="0" cy="0"/>
+          <a:chOff x="0" y="0"/>
+          <a:chExt cx="0" cy="0"/>
+        </a:xfrm>
+      </p:grpSpPr>
+      <p:pic>
+        <p:nvPicPr>
+          <p:cNvPr id="3" name="Picture 2">
+            <a:extLst>
+              <a:ext uri="{FF2B5EF4-FFF2-40B4-BE49-F238E27FC236}">
+                <a16:creationId xmlns:a16="http://schemas.microsoft.com/office/drawing/2014/main" id="{1EB34957-01EE-2359-C814-7BF0D32DD220}"/>
+              </a:ext>
+            </a:extLst>
+          </p:cNvPr>
+          <p:cNvPicPr>
+            <a:picLocks noChangeAspect="1"/>
+          </p:cNvPicPr>
+          <p:nvPr/>
+        </p:nvPicPr>
+        <p:blipFill>
+          <a:blip r:embed="rId2"/>
+          <a:stretch>
+            <a:fillRect/>
+          </a:stretch>
+        </p:blipFill>
+        <p:spPr>
+          <a:xfrm>
+            <a:off x="2247566" y="2449745"/>
+            <a:ext cx="7696867" cy="1958510"/>
+          </a:xfrm>
+          <a:prstGeom prst="rect">
+            <a:avLst/>
+          </a:prstGeom>
+        </p:spPr>
+      </p:pic>
+    </p:spTree>
+    <p:extLst>
+      <p:ext uri="{BB962C8B-B14F-4D97-AF65-F5344CB8AC3E}">
+        <p14:creationId xmlns:p14="http://schemas.microsoft.com/office/powerpoint/2010/main" val="222302901"/>
+      </p:ext>
+    </p:extLst>
+  </p:cSld>
+  <p:clrMapOvr>
+    <a:masterClrMapping/>
+  </p:clrMapOvr>
+</p:sld>
+</file>
+
+<file path=ppt/slides/slide17.xml><?xml version="1.0" encoding="utf-8"?>
+<p:sld xmlns:a="http://schemas.openxmlformats.org/drawingml/2006/main" xmlns:r="http://schemas.openxmlformats.org/officeDocument/2006/relationships" xmlns:p="http://schemas.openxmlformats.org/presentationml/2006/main">
+  <p:cSld>
+    <p:spTree>
+      <p:nvGrpSpPr>
+        <p:cNvPr id="1" name=""/>
+        <p:cNvGrpSpPr/>
+        <p:nvPr/>
+      </p:nvGrpSpPr>
+      <p:grpSpPr>
+        <a:xfrm>
+          <a:off x="0" y="0"/>
+          <a:ext cx="0" cy="0"/>
+          <a:chOff x="0" y="0"/>
+          <a:chExt cx="0" cy="0"/>
+        </a:xfrm>
+      </p:grpSpPr>
+      <p:pic>
+        <p:nvPicPr>
+          <p:cNvPr id="3" name="Picture 2">
+            <a:extLst>
+              <a:ext uri="{FF2B5EF4-FFF2-40B4-BE49-F238E27FC236}">
+                <a16:creationId xmlns:a16="http://schemas.microsoft.com/office/drawing/2014/main" id="{08032D37-3F2C-DDC7-ECAA-8B1766B37CF7}"/>
+              </a:ext>
+            </a:extLst>
+          </p:cNvPr>
+          <p:cNvPicPr>
+            <a:picLocks noChangeAspect="1"/>
+          </p:cNvPicPr>
+          <p:nvPr/>
+        </p:nvPicPr>
+        <p:blipFill>
+          <a:blip r:embed="rId2"/>
+          <a:stretch>
+            <a:fillRect/>
+          </a:stretch>
+        </p:blipFill>
+        <p:spPr>
+          <a:xfrm>
+            <a:off x="872037" y="2053471"/>
+            <a:ext cx="10447925" cy="2751058"/>
+          </a:xfrm>
+          <a:prstGeom prst="rect">
+            <a:avLst/>
+          </a:prstGeom>
+        </p:spPr>
+      </p:pic>
+    </p:spTree>
+    <p:extLst>
+      <p:ext uri="{BB962C8B-B14F-4D97-AF65-F5344CB8AC3E}">
+        <p14:creationId xmlns:p14="http://schemas.microsoft.com/office/powerpoint/2010/main" val="4147203857"/>
+      </p:ext>
+    </p:extLst>
+  </p:cSld>
+  <p:clrMapOvr>
+    <a:masterClrMapping/>
+  </p:clrMapOvr>
+</p:sld>
+</file>
+
+<file path=ppt/slides/slide18.xml><?xml version="1.0" encoding="utf-8"?>
+<p:sld xmlns:a="http://schemas.openxmlformats.org/drawingml/2006/main" xmlns:r="http://schemas.openxmlformats.org/officeDocument/2006/relationships" xmlns:p="http://schemas.openxmlformats.org/presentationml/2006/main">
+  <p:cSld>
+    <p:spTree>
+      <p:nvGrpSpPr>
+        <p:cNvPr id="1" name=""/>
+        <p:cNvGrpSpPr/>
+        <p:nvPr/>
+      </p:nvGrpSpPr>
+      <p:grpSpPr>
+        <a:xfrm>
+          <a:off x="0" y="0"/>
+          <a:ext cx="0" cy="0"/>
+          <a:chOff x="0" y="0"/>
+          <a:chExt cx="0" cy="0"/>
+        </a:xfrm>
+      </p:grpSpPr>
+      <p:pic>
+        <p:nvPicPr>
+          <p:cNvPr id="3" name="Picture 2">
+            <a:extLst>
+              <a:ext uri="{FF2B5EF4-FFF2-40B4-BE49-F238E27FC236}">
+                <a16:creationId xmlns:a16="http://schemas.microsoft.com/office/drawing/2014/main" id="{76FD9490-B205-2F6C-863C-58D6195DD393}"/>
+              </a:ext>
+            </a:extLst>
+          </p:cNvPr>
+          <p:cNvPicPr>
+            <a:picLocks noChangeAspect="1"/>
+          </p:cNvPicPr>
+          <p:nvPr/>
+        </p:nvPicPr>
+        <p:blipFill>
+          <a:blip r:embed="rId2"/>
+          <a:stretch>
+            <a:fillRect/>
+          </a:stretch>
+        </p:blipFill>
+        <p:spPr>
+          <a:xfrm>
+            <a:off x="563400" y="3055587"/>
+            <a:ext cx="11065199" cy="746825"/>
+          </a:xfrm>
+          <a:prstGeom prst="rect">
+            <a:avLst/>
+          </a:prstGeom>
+        </p:spPr>
+      </p:pic>
+      <p:sp>
+        <p:nvSpPr>
+          <p:cNvPr id="4" name="TextBox 3">
+            <a:extLst>
+              <a:ext uri="{FF2B5EF4-FFF2-40B4-BE49-F238E27FC236}">
+                <a16:creationId xmlns:a16="http://schemas.microsoft.com/office/drawing/2014/main" id="{7575606B-2BF7-34BF-B611-2205C7A6B925}"/>
+              </a:ext>
+            </a:extLst>
+          </p:cNvPr>
+          <p:cNvSpPr txBox="1"/>
+          <p:nvPr/>
+        </p:nvSpPr>
+        <p:spPr>
+          <a:xfrm>
+            <a:off x="1258529" y="963561"/>
+            <a:ext cx="7049729" cy="646331"/>
+          </a:xfrm>
+          <a:prstGeom prst="rect">
+            <a:avLst/>
+          </a:prstGeom>
+          <a:noFill/>
+        </p:spPr>
+        <p:txBody>
+          <a:bodyPr wrap="square" rtlCol="0">
+            <a:spAutoFit/>
+          </a:bodyPr>
+          <a:lstStyle/>
+          <a:p>
+            <a:r>
+              <a:rPr lang="en-US" dirty="0"/>
+              <a:t>Logging tracing improvisation:</a:t>
+            </a:r>
+          </a:p>
+          <a:p>
+            <a:r>
+              <a:rPr lang="en-US" dirty="0"/>
+              <a:t>Inclusion of correlation id, mobile, service name fields in app logs</a:t>
+            </a:r>
+            <a:endParaRPr lang="en-IN" dirty="0"/>
+          </a:p>
+        </p:txBody>
+      </p:sp>
+    </p:spTree>
+    <p:extLst>
+      <p:ext uri="{BB962C8B-B14F-4D97-AF65-F5344CB8AC3E}">
+        <p14:creationId xmlns:p14="http://schemas.microsoft.com/office/powerpoint/2010/main" val="3820464360"/>
       </p:ext>
     </p:extLst>
   </p:cSld>

--- a/BookMyShow_Design.pptx
+++ b/BookMyShow_Design.pptx
@@ -278,7 +278,7 @@
           <a:p>
             <a:fld id="{B5907C38-14D4-4C2C-8A20-234F79DC1A8C}" type="datetimeFigureOut">
               <a:rPr lang="en-IN" smtClean="0"/>
-              <a:t>01-08-2025</a:t>
+              <a:t>04-08-2025</a:t>
             </a:fld>
             <a:endParaRPr lang="en-IN"/>
           </a:p>
@@ -478,7 +478,7 @@
           <a:p>
             <a:fld id="{B5907C38-14D4-4C2C-8A20-234F79DC1A8C}" type="datetimeFigureOut">
               <a:rPr lang="en-IN" smtClean="0"/>
-              <a:t>01-08-2025</a:t>
+              <a:t>04-08-2025</a:t>
             </a:fld>
             <a:endParaRPr lang="en-IN"/>
           </a:p>
@@ -688,7 +688,7 @@
           <a:p>
             <a:fld id="{B5907C38-14D4-4C2C-8A20-234F79DC1A8C}" type="datetimeFigureOut">
               <a:rPr lang="en-IN" smtClean="0"/>
-              <a:t>01-08-2025</a:t>
+              <a:t>04-08-2025</a:t>
             </a:fld>
             <a:endParaRPr lang="en-IN"/>
           </a:p>
@@ -888,7 +888,7 @@
           <a:p>
             <a:fld id="{B5907C38-14D4-4C2C-8A20-234F79DC1A8C}" type="datetimeFigureOut">
               <a:rPr lang="en-IN" smtClean="0"/>
-              <a:t>01-08-2025</a:t>
+              <a:t>04-08-2025</a:t>
             </a:fld>
             <a:endParaRPr lang="en-IN"/>
           </a:p>
@@ -1164,7 +1164,7 @@
           <a:p>
             <a:fld id="{B5907C38-14D4-4C2C-8A20-234F79DC1A8C}" type="datetimeFigureOut">
               <a:rPr lang="en-IN" smtClean="0"/>
-              <a:t>01-08-2025</a:t>
+              <a:t>04-08-2025</a:t>
             </a:fld>
             <a:endParaRPr lang="en-IN"/>
           </a:p>
@@ -1432,7 +1432,7 @@
           <a:p>
             <a:fld id="{B5907C38-14D4-4C2C-8A20-234F79DC1A8C}" type="datetimeFigureOut">
               <a:rPr lang="en-IN" smtClean="0"/>
-              <a:t>01-08-2025</a:t>
+              <a:t>04-08-2025</a:t>
             </a:fld>
             <a:endParaRPr lang="en-IN"/>
           </a:p>
@@ -1847,7 +1847,7 @@
           <a:p>
             <a:fld id="{B5907C38-14D4-4C2C-8A20-234F79DC1A8C}" type="datetimeFigureOut">
               <a:rPr lang="en-IN" smtClean="0"/>
-              <a:t>01-08-2025</a:t>
+              <a:t>04-08-2025</a:t>
             </a:fld>
             <a:endParaRPr lang="en-IN"/>
           </a:p>
@@ -1989,7 +1989,7 @@
           <a:p>
             <a:fld id="{B5907C38-14D4-4C2C-8A20-234F79DC1A8C}" type="datetimeFigureOut">
               <a:rPr lang="en-IN" smtClean="0"/>
-              <a:t>01-08-2025</a:t>
+              <a:t>04-08-2025</a:t>
             </a:fld>
             <a:endParaRPr lang="en-IN"/>
           </a:p>
@@ -2102,7 +2102,7 @@
           <a:p>
             <a:fld id="{B5907C38-14D4-4C2C-8A20-234F79DC1A8C}" type="datetimeFigureOut">
               <a:rPr lang="en-IN" smtClean="0"/>
-              <a:t>01-08-2025</a:t>
+              <a:t>04-08-2025</a:t>
             </a:fld>
             <a:endParaRPr lang="en-IN"/>
           </a:p>
@@ -2415,7 +2415,7 @@
           <a:p>
             <a:fld id="{B5907C38-14D4-4C2C-8A20-234F79DC1A8C}" type="datetimeFigureOut">
               <a:rPr lang="en-IN" smtClean="0"/>
-              <a:t>01-08-2025</a:t>
+              <a:t>04-08-2025</a:t>
             </a:fld>
             <a:endParaRPr lang="en-IN"/>
           </a:p>
@@ -2704,7 +2704,7 @@
           <a:p>
             <a:fld id="{B5907C38-14D4-4C2C-8A20-234F79DC1A8C}" type="datetimeFigureOut">
               <a:rPr lang="en-IN" smtClean="0"/>
-              <a:t>01-08-2025</a:t>
+              <a:t>04-08-2025</a:t>
             </a:fld>
             <a:endParaRPr lang="en-IN"/>
           </a:p>
@@ -2947,7 +2947,7 @@
           <a:p>
             <a:fld id="{B5907C38-14D4-4C2C-8A20-234F79DC1A8C}" type="datetimeFigureOut">
               <a:rPr lang="en-IN" smtClean="0"/>
-              <a:t>01-08-2025</a:t>
+              <a:t>04-08-2025</a:t>
             </a:fld>
             <a:endParaRPr lang="en-IN"/>
           </a:p>

--- a/BookMyShow_Design.pptx
+++ b/BookMyShow_Design.pptx
@@ -23,6 +23,9 @@
     <p:sldId id="269" r:id="rId17"/>
     <p:sldId id="270" r:id="rId18"/>
     <p:sldId id="271" r:id="rId19"/>
+    <p:sldId id="281" r:id="rId20"/>
+    <p:sldId id="282" r:id="rId21"/>
+    <p:sldId id="283" r:id="rId22"/>
   </p:sldIdLst>
   <p:sldSz cx="12192000" cy="6858000"/>
   <p:notesSz cx="6858000" cy="9144000"/>
@@ -278,7 +281,7 @@
           <a:p>
             <a:fld id="{B5907C38-14D4-4C2C-8A20-234F79DC1A8C}" type="datetimeFigureOut">
               <a:rPr lang="en-IN" smtClean="0"/>
-              <a:t>04-08-2025</a:t>
+              <a:t>08-08-2025</a:t>
             </a:fld>
             <a:endParaRPr lang="en-IN"/>
           </a:p>
@@ -478,7 +481,7 @@
           <a:p>
             <a:fld id="{B5907C38-14D4-4C2C-8A20-234F79DC1A8C}" type="datetimeFigureOut">
               <a:rPr lang="en-IN" smtClean="0"/>
-              <a:t>04-08-2025</a:t>
+              <a:t>08-08-2025</a:t>
             </a:fld>
             <a:endParaRPr lang="en-IN"/>
           </a:p>
@@ -688,7 +691,7 @@
           <a:p>
             <a:fld id="{B5907C38-14D4-4C2C-8A20-234F79DC1A8C}" type="datetimeFigureOut">
               <a:rPr lang="en-IN" smtClean="0"/>
-              <a:t>04-08-2025</a:t>
+              <a:t>08-08-2025</a:t>
             </a:fld>
             <a:endParaRPr lang="en-IN"/>
           </a:p>
@@ -888,7 +891,7 @@
           <a:p>
             <a:fld id="{B5907C38-14D4-4C2C-8A20-234F79DC1A8C}" type="datetimeFigureOut">
               <a:rPr lang="en-IN" smtClean="0"/>
-              <a:t>04-08-2025</a:t>
+              <a:t>08-08-2025</a:t>
             </a:fld>
             <a:endParaRPr lang="en-IN"/>
           </a:p>
@@ -1164,7 +1167,7 @@
           <a:p>
             <a:fld id="{B5907C38-14D4-4C2C-8A20-234F79DC1A8C}" type="datetimeFigureOut">
               <a:rPr lang="en-IN" smtClean="0"/>
-              <a:t>04-08-2025</a:t>
+              <a:t>08-08-2025</a:t>
             </a:fld>
             <a:endParaRPr lang="en-IN"/>
           </a:p>
@@ -1432,7 +1435,7 @@
           <a:p>
             <a:fld id="{B5907C38-14D4-4C2C-8A20-234F79DC1A8C}" type="datetimeFigureOut">
               <a:rPr lang="en-IN" smtClean="0"/>
-              <a:t>04-08-2025</a:t>
+              <a:t>08-08-2025</a:t>
             </a:fld>
             <a:endParaRPr lang="en-IN"/>
           </a:p>
@@ -1847,7 +1850,7 @@
           <a:p>
             <a:fld id="{B5907C38-14D4-4C2C-8A20-234F79DC1A8C}" type="datetimeFigureOut">
               <a:rPr lang="en-IN" smtClean="0"/>
-              <a:t>04-08-2025</a:t>
+              <a:t>08-08-2025</a:t>
             </a:fld>
             <a:endParaRPr lang="en-IN"/>
           </a:p>
@@ -1989,7 +1992,7 @@
           <a:p>
             <a:fld id="{B5907C38-14D4-4C2C-8A20-234F79DC1A8C}" type="datetimeFigureOut">
               <a:rPr lang="en-IN" smtClean="0"/>
-              <a:t>04-08-2025</a:t>
+              <a:t>08-08-2025</a:t>
             </a:fld>
             <a:endParaRPr lang="en-IN"/>
           </a:p>
@@ -2102,7 +2105,7 @@
           <a:p>
             <a:fld id="{B5907C38-14D4-4C2C-8A20-234F79DC1A8C}" type="datetimeFigureOut">
               <a:rPr lang="en-IN" smtClean="0"/>
-              <a:t>04-08-2025</a:t>
+              <a:t>08-08-2025</a:t>
             </a:fld>
             <a:endParaRPr lang="en-IN"/>
           </a:p>
@@ -2415,7 +2418,7 @@
           <a:p>
             <a:fld id="{B5907C38-14D4-4C2C-8A20-234F79DC1A8C}" type="datetimeFigureOut">
               <a:rPr lang="en-IN" smtClean="0"/>
-              <a:t>04-08-2025</a:t>
+              <a:t>08-08-2025</a:t>
             </a:fld>
             <a:endParaRPr lang="en-IN"/>
           </a:p>
@@ -2704,7 +2707,7 @@
           <a:p>
             <a:fld id="{B5907C38-14D4-4C2C-8A20-234F79DC1A8C}" type="datetimeFigureOut">
               <a:rPr lang="en-IN" smtClean="0"/>
-              <a:t>04-08-2025</a:t>
+              <a:t>08-08-2025</a:t>
             </a:fld>
             <a:endParaRPr lang="en-IN"/>
           </a:p>
@@ -2947,7 +2950,7 @@
           <a:p>
             <a:fld id="{B5907C38-14D4-4C2C-8A20-234F79DC1A8C}" type="datetimeFigureOut">
               <a:rPr lang="en-IN" smtClean="0"/>
-              <a:t>04-08-2025</a:t>
+              <a:t>08-08-2025</a:t>
             </a:fld>
             <a:endParaRPr lang="en-IN"/>
           </a:p>
@@ -4023,6 +4026,66 @@
 </p:sld>
 </file>
 
+<file path=ppt/slides/slide19.xml><?xml version="1.0" encoding="utf-8"?>
+<p:sld xmlns:a="http://schemas.openxmlformats.org/drawingml/2006/main" xmlns:r="http://schemas.openxmlformats.org/officeDocument/2006/relationships" xmlns:p="http://schemas.openxmlformats.org/presentationml/2006/main">
+  <p:cSld>
+    <p:spTree>
+      <p:nvGrpSpPr>
+        <p:cNvPr id="1" name=""/>
+        <p:cNvGrpSpPr/>
+        <p:nvPr/>
+      </p:nvGrpSpPr>
+      <p:grpSpPr>
+        <a:xfrm>
+          <a:off x="0" y="0"/>
+          <a:ext cx="0" cy="0"/>
+          <a:chOff x="0" y="0"/>
+          <a:chExt cx="0" cy="0"/>
+        </a:xfrm>
+      </p:grpSpPr>
+      <p:pic>
+        <p:nvPicPr>
+          <p:cNvPr id="3" name="Picture 2">
+            <a:extLst>
+              <a:ext uri="{FF2B5EF4-FFF2-40B4-BE49-F238E27FC236}">
+                <a16:creationId xmlns:a16="http://schemas.microsoft.com/office/drawing/2014/main" id="{78C76ADB-F763-676A-0599-5EE3E7AC0903}"/>
+              </a:ext>
+            </a:extLst>
+          </p:cNvPr>
+          <p:cNvPicPr>
+            <a:picLocks noChangeAspect="1"/>
+          </p:cNvPicPr>
+          <p:nvPr/>
+        </p:nvPicPr>
+        <p:blipFill>
+          <a:blip r:embed="rId2"/>
+          <a:stretch>
+            <a:fillRect/>
+          </a:stretch>
+        </p:blipFill>
+        <p:spPr>
+          <a:xfrm>
+            <a:off x="1195915" y="914182"/>
+            <a:ext cx="9800169" cy="5029636"/>
+          </a:xfrm>
+          <a:prstGeom prst="rect">
+            <a:avLst/>
+          </a:prstGeom>
+        </p:spPr>
+      </p:pic>
+    </p:spTree>
+    <p:extLst>
+      <p:ext uri="{BB962C8B-B14F-4D97-AF65-F5344CB8AC3E}">
+        <p14:creationId xmlns:p14="http://schemas.microsoft.com/office/powerpoint/2010/main" val="275884231"/>
+      </p:ext>
+    </p:extLst>
+  </p:cSld>
+  <p:clrMapOvr>
+    <a:masterClrMapping/>
+  </p:clrMapOvr>
+</p:sld>
+</file>
+
 <file path=ppt/slides/slide2.xml><?xml version="1.0" encoding="utf-8"?>
 <p:sld xmlns:a="http://schemas.openxmlformats.org/drawingml/2006/main" xmlns:r="http://schemas.openxmlformats.org/officeDocument/2006/relationships" xmlns:p="http://schemas.openxmlformats.org/presentationml/2006/main">
   <p:cSld>
@@ -4713,6 +4776,126 @@
     <p:extLst>
       <p:ext uri="{BB962C8B-B14F-4D97-AF65-F5344CB8AC3E}">
         <p14:creationId xmlns:p14="http://schemas.microsoft.com/office/powerpoint/2010/main" val="2156863348"/>
+      </p:ext>
+    </p:extLst>
+  </p:cSld>
+  <p:clrMapOvr>
+    <a:masterClrMapping/>
+  </p:clrMapOvr>
+</p:sld>
+</file>
+
+<file path=ppt/slides/slide20.xml><?xml version="1.0" encoding="utf-8"?>
+<p:sld xmlns:a="http://schemas.openxmlformats.org/drawingml/2006/main" xmlns:r="http://schemas.openxmlformats.org/officeDocument/2006/relationships" xmlns:p="http://schemas.openxmlformats.org/presentationml/2006/main">
+  <p:cSld>
+    <p:spTree>
+      <p:nvGrpSpPr>
+        <p:cNvPr id="1" name=""/>
+        <p:cNvGrpSpPr/>
+        <p:nvPr/>
+      </p:nvGrpSpPr>
+      <p:grpSpPr>
+        <a:xfrm>
+          <a:off x="0" y="0"/>
+          <a:ext cx="0" cy="0"/>
+          <a:chOff x="0" y="0"/>
+          <a:chExt cx="0" cy="0"/>
+        </a:xfrm>
+      </p:grpSpPr>
+      <p:pic>
+        <p:nvPicPr>
+          <p:cNvPr id="3" name="Picture 2">
+            <a:extLst>
+              <a:ext uri="{FF2B5EF4-FFF2-40B4-BE49-F238E27FC236}">
+                <a16:creationId xmlns:a16="http://schemas.microsoft.com/office/drawing/2014/main" id="{3C2420D5-EB1B-4F7E-6D4C-CFEF7247E4F2}"/>
+              </a:ext>
+            </a:extLst>
+          </p:cNvPr>
+          <p:cNvPicPr>
+            <a:picLocks noChangeAspect="1"/>
+          </p:cNvPicPr>
+          <p:nvPr/>
+        </p:nvPicPr>
+        <p:blipFill>
+          <a:blip r:embed="rId2"/>
+          <a:stretch>
+            <a:fillRect/>
+          </a:stretch>
+        </p:blipFill>
+        <p:spPr>
+          <a:xfrm>
+            <a:off x="3855526" y="1920109"/>
+            <a:ext cx="4480948" cy="3017782"/>
+          </a:xfrm>
+          <a:prstGeom prst="rect">
+            <a:avLst/>
+          </a:prstGeom>
+        </p:spPr>
+      </p:pic>
+    </p:spTree>
+    <p:extLst>
+      <p:ext uri="{BB962C8B-B14F-4D97-AF65-F5344CB8AC3E}">
+        <p14:creationId xmlns:p14="http://schemas.microsoft.com/office/powerpoint/2010/main" val="2562866623"/>
+      </p:ext>
+    </p:extLst>
+  </p:cSld>
+  <p:clrMapOvr>
+    <a:masterClrMapping/>
+  </p:clrMapOvr>
+</p:sld>
+</file>
+
+<file path=ppt/slides/slide21.xml><?xml version="1.0" encoding="utf-8"?>
+<p:sld xmlns:a="http://schemas.openxmlformats.org/drawingml/2006/main" xmlns:r="http://schemas.openxmlformats.org/officeDocument/2006/relationships" xmlns:p="http://schemas.openxmlformats.org/presentationml/2006/main">
+  <p:cSld>
+    <p:spTree>
+      <p:nvGrpSpPr>
+        <p:cNvPr id="1" name=""/>
+        <p:cNvGrpSpPr/>
+        <p:nvPr/>
+      </p:nvGrpSpPr>
+      <p:grpSpPr>
+        <a:xfrm>
+          <a:off x="0" y="0"/>
+          <a:ext cx="0" cy="0"/>
+          <a:chOff x="0" y="0"/>
+          <a:chExt cx="0" cy="0"/>
+        </a:xfrm>
+      </p:grpSpPr>
+      <p:pic>
+        <p:nvPicPr>
+          <p:cNvPr id="3" name="Picture 2">
+            <a:extLst>
+              <a:ext uri="{FF2B5EF4-FFF2-40B4-BE49-F238E27FC236}">
+                <a16:creationId xmlns:a16="http://schemas.microsoft.com/office/drawing/2014/main" id="{F9B3E6E5-C2B8-8CCC-E09B-CC76A8229EA9}"/>
+              </a:ext>
+            </a:extLst>
+          </p:cNvPr>
+          <p:cNvPicPr>
+            <a:picLocks noChangeAspect="1"/>
+          </p:cNvPicPr>
+          <p:nvPr/>
+        </p:nvPicPr>
+        <p:blipFill>
+          <a:blip r:embed="rId2"/>
+          <a:stretch>
+            <a:fillRect/>
+          </a:stretch>
+        </p:blipFill>
+        <p:spPr>
+          <a:xfrm>
+            <a:off x="4453747" y="2586917"/>
+            <a:ext cx="3284505" cy="1684166"/>
+          </a:xfrm>
+          <a:prstGeom prst="rect">
+            <a:avLst/>
+          </a:prstGeom>
+        </p:spPr>
+      </p:pic>
+    </p:spTree>
+    <p:extLst>
+      <p:ext uri="{BB962C8B-B14F-4D97-AF65-F5344CB8AC3E}">
+        <p14:creationId xmlns:p14="http://schemas.microsoft.com/office/powerpoint/2010/main" val="1441901394"/>
       </p:ext>
     </p:extLst>
   </p:cSld>

--- a/BookMyShow_Design.pptx
+++ b/BookMyShow_Design.pptx
@@ -26,6 +26,12 @@
     <p:sldId id="281" r:id="rId20"/>
     <p:sldId id="282" r:id="rId21"/>
     <p:sldId id="283" r:id="rId22"/>
+    <p:sldId id="284" r:id="rId23"/>
+    <p:sldId id="285" r:id="rId24"/>
+    <p:sldId id="286" r:id="rId25"/>
+    <p:sldId id="287" r:id="rId26"/>
+    <p:sldId id="288" r:id="rId27"/>
+    <p:sldId id="289" r:id="rId28"/>
   </p:sldIdLst>
   <p:sldSz cx="12192000" cy="6858000"/>
   <p:notesSz cx="6858000" cy="9144000"/>
@@ -281,7 +287,7 @@
           <a:p>
             <a:fld id="{B5907C38-14D4-4C2C-8A20-234F79DC1A8C}" type="datetimeFigureOut">
               <a:rPr lang="en-IN" smtClean="0"/>
-              <a:t>08-08-2025</a:t>
+              <a:t>11-08-2025</a:t>
             </a:fld>
             <a:endParaRPr lang="en-IN"/>
           </a:p>
@@ -481,7 +487,7 @@
           <a:p>
             <a:fld id="{B5907C38-14D4-4C2C-8A20-234F79DC1A8C}" type="datetimeFigureOut">
               <a:rPr lang="en-IN" smtClean="0"/>
-              <a:t>08-08-2025</a:t>
+              <a:t>11-08-2025</a:t>
             </a:fld>
             <a:endParaRPr lang="en-IN"/>
           </a:p>
@@ -691,7 +697,7 @@
           <a:p>
             <a:fld id="{B5907C38-14D4-4C2C-8A20-234F79DC1A8C}" type="datetimeFigureOut">
               <a:rPr lang="en-IN" smtClean="0"/>
-              <a:t>08-08-2025</a:t>
+              <a:t>11-08-2025</a:t>
             </a:fld>
             <a:endParaRPr lang="en-IN"/>
           </a:p>
@@ -891,7 +897,7 @@
           <a:p>
             <a:fld id="{B5907C38-14D4-4C2C-8A20-234F79DC1A8C}" type="datetimeFigureOut">
               <a:rPr lang="en-IN" smtClean="0"/>
-              <a:t>08-08-2025</a:t>
+              <a:t>11-08-2025</a:t>
             </a:fld>
             <a:endParaRPr lang="en-IN"/>
           </a:p>
@@ -1167,7 +1173,7 @@
           <a:p>
             <a:fld id="{B5907C38-14D4-4C2C-8A20-234F79DC1A8C}" type="datetimeFigureOut">
               <a:rPr lang="en-IN" smtClean="0"/>
-              <a:t>08-08-2025</a:t>
+              <a:t>11-08-2025</a:t>
             </a:fld>
             <a:endParaRPr lang="en-IN"/>
           </a:p>
@@ -1435,7 +1441,7 @@
           <a:p>
             <a:fld id="{B5907C38-14D4-4C2C-8A20-234F79DC1A8C}" type="datetimeFigureOut">
               <a:rPr lang="en-IN" smtClean="0"/>
-              <a:t>08-08-2025</a:t>
+              <a:t>11-08-2025</a:t>
             </a:fld>
             <a:endParaRPr lang="en-IN"/>
           </a:p>
@@ -1850,7 +1856,7 @@
           <a:p>
             <a:fld id="{B5907C38-14D4-4C2C-8A20-234F79DC1A8C}" type="datetimeFigureOut">
               <a:rPr lang="en-IN" smtClean="0"/>
-              <a:t>08-08-2025</a:t>
+              <a:t>11-08-2025</a:t>
             </a:fld>
             <a:endParaRPr lang="en-IN"/>
           </a:p>
@@ -1992,7 +1998,7 @@
           <a:p>
             <a:fld id="{B5907C38-14D4-4C2C-8A20-234F79DC1A8C}" type="datetimeFigureOut">
               <a:rPr lang="en-IN" smtClean="0"/>
-              <a:t>08-08-2025</a:t>
+              <a:t>11-08-2025</a:t>
             </a:fld>
             <a:endParaRPr lang="en-IN"/>
           </a:p>
@@ -2105,7 +2111,7 @@
           <a:p>
             <a:fld id="{B5907C38-14D4-4C2C-8A20-234F79DC1A8C}" type="datetimeFigureOut">
               <a:rPr lang="en-IN" smtClean="0"/>
-              <a:t>08-08-2025</a:t>
+              <a:t>11-08-2025</a:t>
             </a:fld>
             <a:endParaRPr lang="en-IN"/>
           </a:p>
@@ -2418,7 +2424,7 @@
           <a:p>
             <a:fld id="{B5907C38-14D4-4C2C-8A20-234F79DC1A8C}" type="datetimeFigureOut">
               <a:rPr lang="en-IN" smtClean="0"/>
-              <a:t>08-08-2025</a:t>
+              <a:t>11-08-2025</a:t>
             </a:fld>
             <a:endParaRPr lang="en-IN"/>
           </a:p>
@@ -2707,7 +2713,7 @@
           <a:p>
             <a:fld id="{B5907C38-14D4-4C2C-8A20-234F79DC1A8C}" type="datetimeFigureOut">
               <a:rPr lang="en-IN" smtClean="0"/>
-              <a:t>08-08-2025</a:t>
+              <a:t>11-08-2025</a:t>
             </a:fld>
             <a:endParaRPr lang="en-IN"/>
           </a:p>
@@ -2950,7 +2956,7 @@
           <a:p>
             <a:fld id="{B5907C38-14D4-4C2C-8A20-234F79DC1A8C}" type="datetimeFigureOut">
               <a:rPr lang="en-IN" smtClean="0"/>
-              <a:t>08-08-2025</a:t>
+              <a:t>11-08-2025</a:t>
             </a:fld>
             <a:endParaRPr lang="en-IN"/>
           </a:p>
@@ -4864,10 +4870,10 @@
       </p:grpSpPr>
       <p:pic>
         <p:nvPicPr>
-          <p:cNvPr id="3" name="Picture 2">
-            <a:extLst>
-              <a:ext uri="{FF2B5EF4-FFF2-40B4-BE49-F238E27FC236}">
-                <a16:creationId xmlns:a16="http://schemas.microsoft.com/office/drawing/2014/main" id="{F9B3E6E5-C2B8-8CCC-E09B-CC76A8229EA9}"/>
+          <p:cNvPr id="4" name="Picture 3">
+            <a:extLst>
+              <a:ext uri="{FF2B5EF4-FFF2-40B4-BE49-F238E27FC236}">
+                <a16:creationId xmlns:a16="http://schemas.microsoft.com/office/drawing/2014/main" id="{24B96D02-A7A1-CD9D-CD3A-B6E9CA849FE2}"/>
               </a:ext>
             </a:extLst>
           </p:cNvPr>
@@ -4884,8 +4890,8 @@
         </p:blipFill>
         <p:spPr>
           <a:xfrm>
-            <a:off x="4453747" y="2586917"/>
-            <a:ext cx="3284505" cy="1684166"/>
+            <a:off x="4068904" y="1657196"/>
+            <a:ext cx="4054191" cy="3543607"/>
           </a:xfrm>
           <a:prstGeom prst="rect">
             <a:avLst/>
@@ -4896,6 +4902,402 @@
     <p:extLst>
       <p:ext uri="{BB962C8B-B14F-4D97-AF65-F5344CB8AC3E}">
         <p14:creationId xmlns:p14="http://schemas.microsoft.com/office/powerpoint/2010/main" val="1441901394"/>
+      </p:ext>
+    </p:extLst>
+  </p:cSld>
+  <p:clrMapOvr>
+    <a:masterClrMapping/>
+  </p:clrMapOvr>
+</p:sld>
+</file>
+
+<file path=ppt/slides/slide22.xml><?xml version="1.0" encoding="utf-8"?>
+<p:sld xmlns:a="http://schemas.openxmlformats.org/drawingml/2006/main" xmlns:r="http://schemas.openxmlformats.org/officeDocument/2006/relationships" xmlns:p="http://schemas.openxmlformats.org/presentationml/2006/main">
+  <p:cSld>
+    <p:spTree>
+      <p:nvGrpSpPr>
+        <p:cNvPr id="1" name=""/>
+        <p:cNvGrpSpPr/>
+        <p:nvPr/>
+      </p:nvGrpSpPr>
+      <p:grpSpPr>
+        <a:xfrm>
+          <a:off x="0" y="0"/>
+          <a:ext cx="0" cy="0"/>
+          <a:chOff x="0" y="0"/>
+          <a:chExt cx="0" cy="0"/>
+        </a:xfrm>
+      </p:grpSpPr>
+      <p:pic>
+        <p:nvPicPr>
+          <p:cNvPr id="3" name="Picture 2">
+            <a:extLst>
+              <a:ext uri="{FF2B5EF4-FFF2-40B4-BE49-F238E27FC236}">
+                <a16:creationId xmlns:a16="http://schemas.microsoft.com/office/drawing/2014/main" id="{F7AB4B73-7199-F47C-ACDF-8D7F983F41C9}"/>
+              </a:ext>
+            </a:extLst>
+          </p:cNvPr>
+          <p:cNvPicPr>
+            <a:picLocks noChangeAspect="1"/>
+          </p:cNvPicPr>
+          <p:nvPr/>
+        </p:nvPicPr>
+        <p:blipFill>
+          <a:blip r:embed="rId2"/>
+          <a:stretch>
+            <a:fillRect/>
+          </a:stretch>
+        </p:blipFill>
+        <p:spPr>
+          <a:xfrm>
+            <a:off x="4369920" y="2567865"/>
+            <a:ext cx="3452159" cy="1722269"/>
+          </a:xfrm>
+          <a:prstGeom prst="rect">
+            <a:avLst/>
+          </a:prstGeom>
+        </p:spPr>
+      </p:pic>
+    </p:spTree>
+    <p:extLst>
+      <p:ext uri="{BB962C8B-B14F-4D97-AF65-F5344CB8AC3E}">
+        <p14:creationId xmlns:p14="http://schemas.microsoft.com/office/powerpoint/2010/main" val="1792038520"/>
+      </p:ext>
+    </p:extLst>
+  </p:cSld>
+  <p:clrMapOvr>
+    <a:masterClrMapping/>
+  </p:clrMapOvr>
+</p:sld>
+</file>
+
+<file path=ppt/slides/slide23.xml><?xml version="1.0" encoding="utf-8"?>
+<p:sld xmlns:a="http://schemas.openxmlformats.org/drawingml/2006/main" xmlns:r="http://schemas.openxmlformats.org/officeDocument/2006/relationships" xmlns:p="http://schemas.openxmlformats.org/presentationml/2006/main">
+  <p:cSld>
+    <p:spTree>
+      <p:nvGrpSpPr>
+        <p:cNvPr id="1" name=""/>
+        <p:cNvGrpSpPr/>
+        <p:nvPr/>
+      </p:nvGrpSpPr>
+      <p:grpSpPr>
+        <a:xfrm>
+          <a:off x="0" y="0"/>
+          <a:ext cx="0" cy="0"/>
+          <a:chOff x="0" y="0"/>
+          <a:chExt cx="0" cy="0"/>
+        </a:xfrm>
+      </p:grpSpPr>
+      <p:pic>
+        <p:nvPicPr>
+          <p:cNvPr id="3" name="Picture 2">
+            <a:extLst>
+              <a:ext uri="{FF2B5EF4-FFF2-40B4-BE49-F238E27FC236}">
+                <a16:creationId xmlns:a16="http://schemas.microsoft.com/office/drawing/2014/main" id="{27B575A2-9AF1-A14F-6DE7-B73A511C66E8}"/>
+              </a:ext>
+            </a:extLst>
+          </p:cNvPr>
+          <p:cNvPicPr>
+            <a:picLocks noChangeAspect="1"/>
+          </p:cNvPicPr>
+          <p:nvPr/>
+        </p:nvPicPr>
+        <p:blipFill>
+          <a:blip r:embed="rId2"/>
+          <a:stretch>
+            <a:fillRect/>
+          </a:stretch>
+        </p:blipFill>
+        <p:spPr>
+          <a:xfrm>
+            <a:off x="3177287" y="2388780"/>
+            <a:ext cx="5837426" cy="2080440"/>
+          </a:xfrm>
+          <a:prstGeom prst="rect">
+            <a:avLst/>
+          </a:prstGeom>
+        </p:spPr>
+      </p:pic>
+    </p:spTree>
+    <p:extLst>
+      <p:ext uri="{BB962C8B-B14F-4D97-AF65-F5344CB8AC3E}">
+        <p14:creationId xmlns:p14="http://schemas.microsoft.com/office/powerpoint/2010/main" val="2822597369"/>
+      </p:ext>
+    </p:extLst>
+  </p:cSld>
+  <p:clrMapOvr>
+    <a:masterClrMapping/>
+  </p:clrMapOvr>
+</p:sld>
+</file>
+
+<file path=ppt/slides/slide24.xml><?xml version="1.0" encoding="utf-8"?>
+<p:sld xmlns:a="http://schemas.openxmlformats.org/drawingml/2006/main" xmlns:r="http://schemas.openxmlformats.org/officeDocument/2006/relationships" xmlns:p="http://schemas.openxmlformats.org/presentationml/2006/main">
+  <p:cSld>
+    <p:spTree>
+      <p:nvGrpSpPr>
+        <p:cNvPr id="1" name=""/>
+        <p:cNvGrpSpPr/>
+        <p:nvPr/>
+      </p:nvGrpSpPr>
+      <p:grpSpPr>
+        <a:xfrm>
+          <a:off x="0" y="0"/>
+          <a:ext cx="0" cy="0"/>
+          <a:chOff x="0" y="0"/>
+          <a:chExt cx="0" cy="0"/>
+        </a:xfrm>
+      </p:grpSpPr>
+      <p:pic>
+        <p:nvPicPr>
+          <p:cNvPr id="3" name="Picture 2">
+            <a:extLst>
+              <a:ext uri="{FF2B5EF4-FFF2-40B4-BE49-F238E27FC236}">
+                <a16:creationId xmlns:a16="http://schemas.microsoft.com/office/drawing/2014/main" id="{7BD592E2-B7BC-CE85-EBE0-7B41B2B54854}"/>
+              </a:ext>
+            </a:extLst>
+          </p:cNvPr>
+          <p:cNvPicPr>
+            <a:picLocks noChangeAspect="1"/>
+          </p:cNvPicPr>
+          <p:nvPr/>
+        </p:nvPicPr>
+        <p:blipFill>
+          <a:blip r:embed="rId2"/>
+          <a:stretch>
+            <a:fillRect/>
+          </a:stretch>
+        </p:blipFill>
+        <p:spPr>
+          <a:xfrm>
+            <a:off x="3497355" y="2522141"/>
+            <a:ext cx="5197290" cy="1813717"/>
+          </a:xfrm>
+          <a:prstGeom prst="rect">
+            <a:avLst/>
+          </a:prstGeom>
+        </p:spPr>
+      </p:pic>
+    </p:spTree>
+    <p:extLst>
+      <p:ext uri="{BB962C8B-B14F-4D97-AF65-F5344CB8AC3E}">
+        <p14:creationId xmlns:p14="http://schemas.microsoft.com/office/powerpoint/2010/main" val="2876112429"/>
+      </p:ext>
+    </p:extLst>
+  </p:cSld>
+  <p:clrMapOvr>
+    <a:masterClrMapping/>
+  </p:clrMapOvr>
+</p:sld>
+</file>
+
+<file path=ppt/slides/slide25.xml><?xml version="1.0" encoding="utf-8"?>
+<p:sld xmlns:a="http://schemas.openxmlformats.org/drawingml/2006/main" xmlns:r="http://schemas.openxmlformats.org/officeDocument/2006/relationships" xmlns:p="http://schemas.openxmlformats.org/presentationml/2006/main">
+  <p:cSld>
+    <p:spTree>
+      <p:nvGrpSpPr>
+        <p:cNvPr id="1" name=""/>
+        <p:cNvGrpSpPr/>
+        <p:nvPr/>
+      </p:nvGrpSpPr>
+      <p:grpSpPr>
+        <a:xfrm>
+          <a:off x="0" y="0"/>
+          <a:ext cx="0" cy="0"/>
+          <a:chOff x="0" y="0"/>
+          <a:chExt cx="0" cy="0"/>
+        </a:xfrm>
+      </p:grpSpPr>
+      <p:pic>
+        <p:nvPicPr>
+          <p:cNvPr id="3" name="Picture 2">
+            <a:extLst>
+              <a:ext uri="{FF2B5EF4-FFF2-40B4-BE49-F238E27FC236}">
+                <a16:creationId xmlns:a16="http://schemas.microsoft.com/office/drawing/2014/main" id="{8B307D59-4B8C-E028-47B9-14C1CBDF26EF}"/>
+              </a:ext>
+            </a:extLst>
+          </p:cNvPr>
+          <p:cNvPicPr>
+            <a:picLocks noChangeAspect="1"/>
+          </p:cNvPicPr>
+          <p:nvPr/>
+        </p:nvPicPr>
+        <p:blipFill>
+          <a:blip r:embed="rId2"/>
+          <a:stretch>
+            <a:fillRect/>
+          </a:stretch>
+        </p:blipFill>
+        <p:spPr>
+          <a:xfrm>
+            <a:off x="2834357" y="1923919"/>
+            <a:ext cx="6523285" cy="3010161"/>
+          </a:xfrm>
+          <a:prstGeom prst="rect">
+            <a:avLst/>
+          </a:prstGeom>
+        </p:spPr>
+      </p:pic>
+    </p:spTree>
+    <p:extLst>
+      <p:ext uri="{BB962C8B-B14F-4D97-AF65-F5344CB8AC3E}">
+        <p14:creationId xmlns:p14="http://schemas.microsoft.com/office/powerpoint/2010/main" val="1372822497"/>
+      </p:ext>
+    </p:extLst>
+  </p:cSld>
+  <p:clrMapOvr>
+    <a:masterClrMapping/>
+  </p:clrMapOvr>
+</p:sld>
+</file>
+
+<file path=ppt/slides/slide26.xml><?xml version="1.0" encoding="utf-8"?>
+<p:sld xmlns:a="http://schemas.openxmlformats.org/drawingml/2006/main" xmlns:r="http://schemas.openxmlformats.org/officeDocument/2006/relationships" xmlns:p="http://schemas.openxmlformats.org/presentationml/2006/main">
+  <p:cSld>
+    <p:spTree>
+      <p:nvGrpSpPr>
+        <p:cNvPr id="1" name=""/>
+        <p:cNvGrpSpPr/>
+        <p:nvPr/>
+      </p:nvGrpSpPr>
+      <p:grpSpPr>
+        <a:xfrm>
+          <a:off x="0" y="0"/>
+          <a:ext cx="0" cy="0"/>
+          <a:chOff x="0" y="0"/>
+          <a:chExt cx="0" cy="0"/>
+        </a:xfrm>
+      </p:grpSpPr>
+      <p:pic>
+        <p:nvPicPr>
+          <p:cNvPr id="5" name="Picture 4">
+            <a:extLst>
+              <a:ext uri="{FF2B5EF4-FFF2-40B4-BE49-F238E27FC236}">
+                <a16:creationId xmlns:a16="http://schemas.microsoft.com/office/drawing/2014/main" id="{410E2524-1255-61AD-4399-6A831148FE4E}"/>
+              </a:ext>
+            </a:extLst>
+          </p:cNvPr>
+          <p:cNvPicPr>
+            <a:picLocks noChangeAspect="1"/>
+          </p:cNvPicPr>
+          <p:nvPr/>
+        </p:nvPicPr>
+        <p:blipFill>
+          <a:blip r:embed="rId2"/>
+          <a:stretch>
+            <a:fillRect/>
+          </a:stretch>
+        </p:blipFill>
+        <p:spPr>
+          <a:xfrm>
+            <a:off x="2925805" y="2240177"/>
+            <a:ext cx="6340389" cy="2377646"/>
+          </a:xfrm>
+          <a:prstGeom prst="rect">
+            <a:avLst/>
+          </a:prstGeom>
+        </p:spPr>
+      </p:pic>
+    </p:spTree>
+    <p:extLst>
+      <p:ext uri="{BB962C8B-B14F-4D97-AF65-F5344CB8AC3E}">
+        <p14:creationId xmlns:p14="http://schemas.microsoft.com/office/powerpoint/2010/main" val="611271339"/>
+      </p:ext>
+    </p:extLst>
+  </p:cSld>
+  <p:clrMapOvr>
+    <a:masterClrMapping/>
+  </p:clrMapOvr>
+</p:sld>
+</file>
+
+<file path=ppt/slides/slide27.xml><?xml version="1.0" encoding="utf-8"?>
+<p:sld xmlns:a="http://schemas.openxmlformats.org/drawingml/2006/main" xmlns:r="http://schemas.openxmlformats.org/officeDocument/2006/relationships" xmlns:p="http://schemas.openxmlformats.org/presentationml/2006/main">
+  <p:cSld>
+    <p:spTree>
+      <p:nvGrpSpPr>
+        <p:cNvPr id="1" name=""/>
+        <p:cNvGrpSpPr/>
+        <p:nvPr/>
+      </p:nvGrpSpPr>
+      <p:grpSpPr>
+        <a:xfrm>
+          <a:off x="0" y="0"/>
+          <a:ext cx="0" cy="0"/>
+          <a:chOff x="0" y="0"/>
+          <a:chExt cx="0" cy="0"/>
+        </a:xfrm>
+      </p:grpSpPr>
+      <p:pic>
+        <p:nvPicPr>
+          <p:cNvPr id="3" name="Picture 2">
+            <a:extLst>
+              <a:ext uri="{FF2B5EF4-FFF2-40B4-BE49-F238E27FC236}">
+                <a16:creationId xmlns:a16="http://schemas.microsoft.com/office/drawing/2014/main" id="{7660B1D3-9CF9-395F-B166-492A5372AAD4}"/>
+              </a:ext>
+            </a:extLst>
+          </p:cNvPr>
+          <p:cNvPicPr>
+            <a:picLocks noChangeAspect="1"/>
+          </p:cNvPicPr>
+          <p:nvPr/>
+        </p:nvPicPr>
+        <p:blipFill>
+          <a:blip r:embed="rId2"/>
+          <a:stretch>
+            <a:fillRect/>
+          </a:stretch>
+        </p:blipFill>
+        <p:spPr>
+          <a:xfrm>
+            <a:off x="2826736" y="2545003"/>
+            <a:ext cx="6538527" cy="1767993"/>
+          </a:xfrm>
+          <a:prstGeom prst="rect">
+            <a:avLst/>
+          </a:prstGeom>
+        </p:spPr>
+      </p:pic>
+      <p:sp>
+        <p:nvSpPr>
+          <p:cNvPr id="4" name="TextBox 3">
+            <a:extLst>
+              <a:ext uri="{FF2B5EF4-FFF2-40B4-BE49-F238E27FC236}">
+                <a16:creationId xmlns:a16="http://schemas.microsoft.com/office/drawing/2014/main" id="{3AD99BF0-9418-CB49-F3F6-DC3E8D9AD1CA}"/>
+              </a:ext>
+            </a:extLst>
+          </p:cNvPr>
+          <p:cNvSpPr txBox="1"/>
+          <p:nvPr/>
+        </p:nvSpPr>
+        <p:spPr>
+          <a:xfrm>
+            <a:off x="1818968" y="1091381"/>
+            <a:ext cx="3529780" cy="369332"/>
+          </a:xfrm>
+          <a:prstGeom prst="rect">
+            <a:avLst/>
+          </a:prstGeom>
+          <a:noFill/>
+        </p:spPr>
+        <p:txBody>
+          <a:bodyPr wrap="square" rtlCol="0">
+            <a:spAutoFit/>
+          </a:bodyPr>
+          <a:lstStyle/>
+          <a:p>
+            <a:r>
+              <a:rPr lang="en-US" dirty="0"/>
+              <a:t>Case1: Payment failed</a:t>
+            </a:r>
+            <a:endParaRPr lang="en-IN" dirty="0"/>
+          </a:p>
+        </p:txBody>
+      </p:sp>
+    </p:spTree>
+    <p:extLst>
+      <p:ext uri="{BB962C8B-B14F-4D97-AF65-F5344CB8AC3E}">
+        <p14:creationId xmlns:p14="http://schemas.microsoft.com/office/powerpoint/2010/main" val="1625664957"/>
       </p:ext>
     </p:extLst>
   </p:cSld>

--- a/BookMyShow_Design.pptx
+++ b/BookMyShow_Design.pptx
@@ -32,6 +32,9 @@
     <p:sldId id="287" r:id="rId26"/>
     <p:sldId id="288" r:id="rId27"/>
     <p:sldId id="289" r:id="rId28"/>
+    <p:sldId id="290" r:id="rId29"/>
+    <p:sldId id="291" r:id="rId30"/>
+    <p:sldId id="292" r:id="rId31"/>
   </p:sldIdLst>
   <p:sldSz cx="12192000" cy="6858000"/>
   <p:notesSz cx="6858000" cy="9144000"/>
@@ -287,7 +290,7 @@
           <a:p>
             <a:fld id="{B5907C38-14D4-4C2C-8A20-234F79DC1A8C}" type="datetimeFigureOut">
               <a:rPr lang="en-IN" smtClean="0"/>
-              <a:t>11-08-2025</a:t>
+              <a:t>13-08-2025</a:t>
             </a:fld>
             <a:endParaRPr lang="en-IN"/>
           </a:p>
@@ -487,7 +490,7 @@
           <a:p>
             <a:fld id="{B5907C38-14D4-4C2C-8A20-234F79DC1A8C}" type="datetimeFigureOut">
               <a:rPr lang="en-IN" smtClean="0"/>
-              <a:t>11-08-2025</a:t>
+              <a:t>13-08-2025</a:t>
             </a:fld>
             <a:endParaRPr lang="en-IN"/>
           </a:p>
@@ -697,7 +700,7 @@
           <a:p>
             <a:fld id="{B5907C38-14D4-4C2C-8A20-234F79DC1A8C}" type="datetimeFigureOut">
               <a:rPr lang="en-IN" smtClean="0"/>
-              <a:t>11-08-2025</a:t>
+              <a:t>13-08-2025</a:t>
             </a:fld>
             <a:endParaRPr lang="en-IN"/>
           </a:p>
@@ -897,7 +900,7 @@
           <a:p>
             <a:fld id="{B5907C38-14D4-4C2C-8A20-234F79DC1A8C}" type="datetimeFigureOut">
               <a:rPr lang="en-IN" smtClean="0"/>
-              <a:t>11-08-2025</a:t>
+              <a:t>13-08-2025</a:t>
             </a:fld>
             <a:endParaRPr lang="en-IN"/>
           </a:p>
@@ -1173,7 +1176,7 @@
           <a:p>
             <a:fld id="{B5907C38-14D4-4C2C-8A20-234F79DC1A8C}" type="datetimeFigureOut">
               <a:rPr lang="en-IN" smtClean="0"/>
-              <a:t>11-08-2025</a:t>
+              <a:t>13-08-2025</a:t>
             </a:fld>
             <a:endParaRPr lang="en-IN"/>
           </a:p>
@@ -1441,7 +1444,7 @@
           <a:p>
             <a:fld id="{B5907C38-14D4-4C2C-8A20-234F79DC1A8C}" type="datetimeFigureOut">
               <a:rPr lang="en-IN" smtClean="0"/>
-              <a:t>11-08-2025</a:t>
+              <a:t>13-08-2025</a:t>
             </a:fld>
             <a:endParaRPr lang="en-IN"/>
           </a:p>
@@ -1856,7 +1859,7 @@
           <a:p>
             <a:fld id="{B5907C38-14D4-4C2C-8A20-234F79DC1A8C}" type="datetimeFigureOut">
               <a:rPr lang="en-IN" smtClean="0"/>
-              <a:t>11-08-2025</a:t>
+              <a:t>13-08-2025</a:t>
             </a:fld>
             <a:endParaRPr lang="en-IN"/>
           </a:p>
@@ -1998,7 +2001,7 @@
           <a:p>
             <a:fld id="{B5907C38-14D4-4C2C-8A20-234F79DC1A8C}" type="datetimeFigureOut">
               <a:rPr lang="en-IN" smtClean="0"/>
-              <a:t>11-08-2025</a:t>
+              <a:t>13-08-2025</a:t>
             </a:fld>
             <a:endParaRPr lang="en-IN"/>
           </a:p>
@@ -2111,7 +2114,7 @@
           <a:p>
             <a:fld id="{B5907C38-14D4-4C2C-8A20-234F79DC1A8C}" type="datetimeFigureOut">
               <a:rPr lang="en-IN" smtClean="0"/>
-              <a:t>11-08-2025</a:t>
+              <a:t>13-08-2025</a:t>
             </a:fld>
             <a:endParaRPr lang="en-IN"/>
           </a:p>
@@ -2424,7 +2427,7 @@
           <a:p>
             <a:fld id="{B5907C38-14D4-4C2C-8A20-234F79DC1A8C}" type="datetimeFigureOut">
               <a:rPr lang="en-IN" smtClean="0"/>
-              <a:t>11-08-2025</a:t>
+              <a:t>13-08-2025</a:t>
             </a:fld>
             <a:endParaRPr lang="en-IN"/>
           </a:p>
@@ -2713,7 +2716,7 @@
           <a:p>
             <a:fld id="{B5907C38-14D4-4C2C-8A20-234F79DC1A8C}" type="datetimeFigureOut">
               <a:rPr lang="en-IN" smtClean="0"/>
-              <a:t>11-08-2025</a:t>
+              <a:t>13-08-2025</a:t>
             </a:fld>
             <a:endParaRPr lang="en-IN"/>
           </a:p>
@@ -2956,7 +2959,7 @@
           <a:p>
             <a:fld id="{B5907C38-14D4-4C2C-8A20-234F79DC1A8C}" type="datetimeFigureOut">
               <a:rPr lang="en-IN" smtClean="0"/>
-              <a:t>11-08-2025</a:t>
+              <a:t>13-08-2025</a:t>
             </a:fld>
             <a:endParaRPr lang="en-IN"/>
           </a:p>
@@ -5307,6 +5310,126 @@
 </p:sld>
 </file>
 
+<file path=ppt/slides/slide28.xml><?xml version="1.0" encoding="utf-8"?>
+<p:sld xmlns:a="http://schemas.openxmlformats.org/drawingml/2006/main" xmlns:r="http://schemas.openxmlformats.org/officeDocument/2006/relationships" xmlns:p="http://schemas.openxmlformats.org/presentationml/2006/main">
+  <p:cSld>
+    <p:spTree>
+      <p:nvGrpSpPr>
+        <p:cNvPr id="1" name=""/>
+        <p:cNvGrpSpPr/>
+        <p:nvPr/>
+      </p:nvGrpSpPr>
+      <p:grpSpPr>
+        <a:xfrm>
+          <a:off x="0" y="0"/>
+          <a:ext cx="0" cy="0"/>
+          <a:chOff x="0" y="0"/>
+          <a:chExt cx="0" cy="0"/>
+        </a:xfrm>
+      </p:grpSpPr>
+      <p:pic>
+        <p:nvPicPr>
+          <p:cNvPr id="3" name="Picture 2">
+            <a:extLst>
+              <a:ext uri="{FF2B5EF4-FFF2-40B4-BE49-F238E27FC236}">
+                <a16:creationId xmlns:a16="http://schemas.microsoft.com/office/drawing/2014/main" id="{4CE92A85-E2E9-0355-900A-7787C198AF63}"/>
+              </a:ext>
+            </a:extLst>
+          </p:cNvPr>
+          <p:cNvPicPr>
+            <a:picLocks noChangeAspect="1"/>
+          </p:cNvPicPr>
+          <p:nvPr/>
+        </p:nvPicPr>
+        <p:blipFill>
+          <a:blip r:embed="rId2"/>
+          <a:stretch>
+            <a:fillRect/>
+          </a:stretch>
+        </p:blipFill>
+        <p:spPr>
+          <a:xfrm>
+            <a:off x="2887702" y="2163970"/>
+            <a:ext cx="6416596" cy="2530059"/>
+          </a:xfrm>
+          <a:prstGeom prst="rect">
+            <a:avLst/>
+          </a:prstGeom>
+        </p:spPr>
+      </p:pic>
+    </p:spTree>
+    <p:extLst>
+      <p:ext uri="{BB962C8B-B14F-4D97-AF65-F5344CB8AC3E}">
+        <p14:creationId xmlns:p14="http://schemas.microsoft.com/office/powerpoint/2010/main" val="908844766"/>
+      </p:ext>
+    </p:extLst>
+  </p:cSld>
+  <p:clrMapOvr>
+    <a:masterClrMapping/>
+  </p:clrMapOvr>
+</p:sld>
+</file>
+
+<file path=ppt/slides/slide29.xml><?xml version="1.0" encoding="utf-8"?>
+<p:sld xmlns:a="http://schemas.openxmlformats.org/drawingml/2006/main" xmlns:r="http://schemas.openxmlformats.org/officeDocument/2006/relationships" xmlns:p="http://schemas.openxmlformats.org/presentationml/2006/main">
+  <p:cSld>
+    <p:spTree>
+      <p:nvGrpSpPr>
+        <p:cNvPr id="1" name=""/>
+        <p:cNvGrpSpPr/>
+        <p:nvPr/>
+      </p:nvGrpSpPr>
+      <p:grpSpPr>
+        <a:xfrm>
+          <a:off x="0" y="0"/>
+          <a:ext cx="0" cy="0"/>
+          <a:chOff x="0" y="0"/>
+          <a:chExt cx="0" cy="0"/>
+        </a:xfrm>
+      </p:grpSpPr>
+      <p:pic>
+        <p:nvPicPr>
+          <p:cNvPr id="3" name="Picture 2">
+            <a:extLst>
+              <a:ext uri="{FF2B5EF4-FFF2-40B4-BE49-F238E27FC236}">
+                <a16:creationId xmlns:a16="http://schemas.microsoft.com/office/drawing/2014/main" id="{959727E1-3455-810B-BB31-2FC26F964992}"/>
+              </a:ext>
+            </a:extLst>
+          </p:cNvPr>
+          <p:cNvPicPr>
+            <a:picLocks noChangeAspect="1"/>
+          </p:cNvPicPr>
+          <p:nvPr/>
+        </p:nvPicPr>
+        <p:blipFill>
+          <a:blip r:embed="rId2"/>
+          <a:stretch>
+            <a:fillRect/>
+          </a:stretch>
+        </p:blipFill>
+        <p:spPr>
+          <a:xfrm>
+            <a:off x="2620979" y="2583106"/>
+            <a:ext cx="6950042" cy="1691787"/>
+          </a:xfrm>
+          <a:prstGeom prst="rect">
+            <a:avLst/>
+          </a:prstGeom>
+        </p:spPr>
+      </p:pic>
+    </p:spTree>
+    <p:extLst>
+      <p:ext uri="{BB962C8B-B14F-4D97-AF65-F5344CB8AC3E}">
+        <p14:creationId xmlns:p14="http://schemas.microsoft.com/office/powerpoint/2010/main" val="453600538"/>
+      </p:ext>
+    </p:extLst>
+  </p:cSld>
+  <p:clrMapOvr>
+    <a:masterClrMapping/>
+  </p:clrMapOvr>
+</p:sld>
+</file>
+
 <file path=ppt/slides/slide3.xml><?xml version="1.0" encoding="utf-8"?>
 <p:sld xmlns:a="http://schemas.openxmlformats.org/drawingml/2006/main" xmlns:r="http://schemas.openxmlformats.org/officeDocument/2006/relationships" xmlns:p="http://schemas.openxmlformats.org/presentationml/2006/main">
   <p:cSld>
@@ -6096,6 +6219,66 @@
     <p:extLst>
       <p:ext uri="{BB962C8B-B14F-4D97-AF65-F5344CB8AC3E}">
         <p14:creationId xmlns:p14="http://schemas.microsoft.com/office/powerpoint/2010/main" val="674688977"/>
+      </p:ext>
+    </p:extLst>
+  </p:cSld>
+  <p:clrMapOvr>
+    <a:masterClrMapping/>
+  </p:clrMapOvr>
+</p:sld>
+</file>
+
+<file path=ppt/slides/slide30.xml><?xml version="1.0" encoding="utf-8"?>
+<p:sld xmlns:a="http://schemas.openxmlformats.org/drawingml/2006/main" xmlns:r="http://schemas.openxmlformats.org/officeDocument/2006/relationships" xmlns:p="http://schemas.openxmlformats.org/presentationml/2006/main">
+  <p:cSld>
+    <p:spTree>
+      <p:nvGrpSpPr>
+        <p:cNvPr id="1" name=""/>
+        <p:cNvGrpSpPr/>
+        <p:nvPr/>
+      </p:nvGrpSpPr>
+      <p:grpSpPr>
+        <a:xfrm>
+          <a:off x="0" y="0"/>
+          <a:ext cx="0" cy="0"/>
+          <a:chOff x="0" y="0"/>
+          <a:chExt cx="0" cy="0"/>
+        </a:xfrm>
+      </p:grpSpPr>
+      <p:pic>
+        <p:nvPicPr>
+          <p:cNvPr id="3" name="Picture 2">
+            <a:extLst>
+              <a:ext uri="{FF2B5EF4-FFF2-40B4-BE49-F238E27FC236}">
+                <a16:creationId xmlns:a16="http://schemas.microsoft.com/office/drawing/2014/main" id="{44769E2F-E3B0-C49D-4945-B1AABC1D1B9E}"/>
+              </a:ext>
+            </a:extLst>
+          </p:cNvPr>
+          <p:cNvPicPr>
+            <a:picLocks noChangeAspect="1"/>
+          </p:cNvPicPr>
+          <p:nvPr/>
+        </p:nvPicPr>
+        <p:blipFill>
+          <a:blip r:embed="rId2"/>
+          <a:stretch>
+            <a:fillRect/>
+          </a:stretch>
+        </p:blipFill>
+        <p:spPr>
+          <a:xfrm>
+            <a:off x="3097270" y="868458"/>
+            <a:ext cx="5997460" cy="5121084"/>
+          </a:xfrm>
+          <a:prstGeom prst="rect">
+            <a:avLst/>
+          </a:prstGeom>
+        </p:spPr>
+      </p:pic>
+    </p:spTree>
+    <p:extLst>
+      <p:ext uri="{BB962C8B-B14F-4D97-AF65-F5344CB8AC3E}">
+        <p14:creationId xmlns:p14="http://schemas.microsoft.com/office/powerpoint/2010/main" val="4244543506"/>
       </p:ext>
     </p:extLst>
   </p:cSld>
